--- a/nlp/Attention.pptx
+++ b/nlp/Attention.pptx
@@ -5,13 +5,17 @@
     <p:sldMasterId id="2147483648" r:id="rId1"/>
   </p:sldMasterIdLst>
   <p:notesMasterIdLst>
-    <p:notesMasterId r:id="rId6"/>
+    <p:notesMasterId r:id="rId10"/>
   </p:notesMasterIdLst>
   <p:sldIdLst>
     <p:sldId id="256" r:id="rId2"/>
     <p:sldId id="257" r:id="rId3"/>
     <p:sldId id="258" r:id="rId4"/>
-    <p:sldId id="259" r:id="rId5"/>
+    <p:sldId id="261" r:id="rId5"/>
+    <p:sldId id="262" r:id="rId6"/>
+    <p:sldId id="263" r:id="rId7"/>
+    <p:sldId id="260" r:id="rId8"/>
+    <p:sldId id="259" r:id="rId9"/>
   </p:sldIdLst>
   <p:sldSz cx="12192000" cy="6858000"/>
   <p:notesSz cx="6858000" cy="9144000"/>
@@ -110,6 +114,11 @@
       </a:defRPr>
     </a:lvl9pPr>
   </p:defaultTextStyle>
+  <p:extLst>
+    <p:ext uri="{EFAFB233-063F-42B5-8137-9DF3F51BA10A}">
+      <p15:sldGuideLst xmlns:p15="http://schemas.microsoft.com/office/powerpoint/2012/main"/>
+    </p:ext>
+  </p:extLst>
 </p:presentation>
 </file>
 
@@ -195,7 +204,7 @@
           <a:p>
             <a:fld id="{AF3C1FE7-738C-46F8-9161-55D6DE0A4645}" type="datetimeFigureOut">
               <a:rPr lang="en-US" smtClean="0"/>
-              <a:t>1/16/2018</a:t>
+              <a:t>1/18/2018</a:t>
             </a:fld>
             <a:endParaRPr lang="en-US"/>
           </a:p>
@@ -679,7 +688,31 @@
           <a:bodyPr/>
           <a:lstStyle/>
           <a:p>
-            <a:endParaRPr lang="en-US"/>
+            <a:pPr marL="0" marR="0" lvl="0" indent="0" algn="l" defTabSz="914400" rtl="0" eaLnBrk="1" fontAlgn="auto" latinLnBrk="0" hangingPunct="1">
+              <a:lnSpc>
+                <a:spcPct val="100000"/>
+              </a:lnSpc>
+              <a:spcBef>
+                <a:spcPts val="0"/>
+              </a:spcBef>
+              <a:spcAft>
+                <a:spcPts val="0"/>
+              </a:spcAft>
+              <a:buClrTx/>
+              <a:buSzTx/>
+              <a:buFontTx/>
+              <a:buNone/>
+              <a:tabLst/>
+              <a:defRPr/>
+            </a:pPr>
+            <a:r>
+              <a:rPr lang="zh-CN" altLang="en-US" dirty="0" smtClean="0"/>
+              <a:t>模拟了人类的视觉注意机制而来，当观察某个画面时，注意力聚焦到其中某一部分，其余部分则变得模糊。</a:t>
+            </a:r>
+            <a:endParaRPr lang="en-US" dirty="0" smtClean="0"/>
+          </a:p>
+          <a:p>
+            <a:endParaRPr lang="en-US" dirty="0"/>
           </a:p>
         </p:txBody>
       </p:sp>
@@ -763,7 +796,259 @@
           <a:bodyPr/>
           <a:lstStyle/>
           <a:p>
-            <a:endParaRPr lang="en-US"/>
+            <a:r>
+              <a:rPr lang="zh-CN" altLang="en-US" sz="1200" b="0" i="0" kern="1200" dirty="0" smtClean="0">
+                <a:solidFill>
+                  <a:schemeClr val="tx1"/>
+                </a:solidFill>
+                <a:effectLst/>
+                <a:latin typeface="+mn-lt"/>
+                <a:ea typeface="+mn-ea"/>
+                <a:cs typeface="+mn-cs"/>
+              </a:rPr>
+              <a:t>输入的序列是“我爱中国”，因此，</a:t>
+            </a:r>
+            <a:r>
+              <a:rPr lang="en-US" altLang="zh-CN" sz="1200" b="0" i="0" kern="1200" dirty="0" smtClean="0">
+                <a:solidFill>
+                  <a:schemeClr val="tx1"/>
+                </a:solidFill>
+                <a:effectLst/>
+                <a:latin typeface="+mn-lt"/>
+                <a:ea typeface="+mn-ea"/>
+                <a:cs typeface="+mn-cs"/>
+              </a:rPr>
+              <a:t>Encoder</a:t>
+            </a:r>
+            <a:r>
+              <a:rPr lang="zh-CN" altLang="en-US" sz="1200" b="0" i="0" kern="1200" dirty="0" smtClean="0">
+                <a:solidFill>
+                  <a:schemeClr val="tx1"/>
+                </a:solidFill>
+                <a:effectLst/>
+                <a:latin typeface="+mn-lt"/>
+                <a:ea typeface="+mn-ea"/>
+                <a:cs typeface="+mn-cs"/>
+              </a:rPr>
+              <a:t>中的</a:t>
+            </a:r>
+            <a:r>
+              <a:rPr lang="en-US" altLang="zh-CN" sz="1200" b="0" i="0" kern="1200" dirty="0" smtClean="0">
+                <a:solidFill>
+                  <a:schemeClr val="tx1"/>
+                </a:solidFill>
+                <a:effectLst/>
+                <a:latin typeface="+mn-lt"/>
+                <a:ea typeface="+mn-ea"/>
+                <a:cs typeface="+mn-cs"/>
+              </a:rPr>
+              <a:t>h1</a:t>
+            </a:r>
+            <a:r>
+              <a:rPr lang="zh-CN" altLang="en-US" sz="1200" b="0" i="0" kern="1200" dirty="0" smtClean="0">
+                <a:solidFill>
+                  <a:schemeClr val="tx1"/>
+                </a:solidFill>
+                <a:effectLst/>
+                <a:latin typeface="+mn-lt"/>
+                <a:ea typeface="+mn-ea"/>
+                <a:cs typeface="+mn-cs"/>
+              </a:rPr>
+              <a:t>、</a:t>
+            </a:r>
+            <a:r>
+              <a:rPr lang="en-US" altLang="zh-CN" sz="1200" b="0" i="0" kern="1200" dirty="0" smtClean="0">
+                <a:solidFill>
+                  <a:schemeClr val="tx1"/>
+                </a:solidFill>
+                <a:effectLst/>
+                <a:latin typeface="+mn-lt"/>
+                <a:ea typeface="+mn-ea"/>
+                <a:cs typeface="+mn-cs"/>
+              </a:rPr>
+              <a:t>h2</a:t>
+            </a:r>
+            <a:r>
+              <a:rPr lang="zh-CN" altLang="en-US" sz="1200" b="0" i="0" kern="1200" dirty="0" smtClean="0">
+                <a:solidFill>
+                  <a:schemeClr val="tx1"/>
+                </a:solidFill>
+                <a:effectLst/>
+                <a:latin typeface="+mn-lt"/>
+                <a:ea typeface="+mn-ea"/>
+                <a:cs typeface="+mn-cs"/>
+              </a:rPr>
+              <a:t>、</a:t>
+            </a:r>
+            <a:r>
+              <a:rPr lang="en-US" altLang="zh-CN" sz="1200" b="0" i="0" kern="1200" dirty="0" smtClean="0">
+                <a:solidFill>
+                  <a:schemeClr val="tx1"/>
+                </a:solidFill>
+                <a:effectLst/>
+                <a:latin typeface="+mn-lt"/>
+                <a:ea typeface="+mn-ea"/>
+                <a:cs typeface="+mn-cs"/>
+              </a:rPr>
+              <a:t>h3</a:t>
+            </a:r>
+            <a:r>
+              <a:rPr lang="zh-CN" altLang="en-US" sz="1200" b="0" i="0" kern="1200" dirty="0" smtClean="0">
+                <a:solidFill>
+                  <a:schemeClr val="tx1"/>
+                </a:solidFill>
+                <a:effectLst/>
+                <a:latin typeface="+mn-lt"/>
+                <a:ea typeface="+mn-ea"/>
+                <a:cs typeface="+mn-cs"/>
+              </a:rPr>
+              <a:t>、</a:t>
+            </a:r>
+            <a:r>
+              <a:rPr lang="en-US" altLang="zh-CN" sz="1200" b="0" i="0" kern="1200" dirty="0" smtClean="0">
+                <a:solidFill>
+                  <a:schemeClr val="tx1"/>
+                </a:solidFill>
+                <a:effectLst/>
+                <a:latin typeface="+mn-lt"/>
+                <a:ea typeface="+mn-ea"/>
+                <a:cs typeface="+mn-cs"/>
+              </a:rPr>
+              <a:t>h4</a:t>
+            </a:r>
+            <a:r>
+              <a:rPr lang="zh-CN" altLang="en-US" sz="1200" b="0" i="0" kern="1200" dirty="0" smtClean="0">
+                <a:solidFill>
+                  <a:schemeClr val="tx1"/>
+                </a:solidFill>
+                <a:effectLst/>
+                <a:latin typeface="+mn-lt"/>
+                <a:ea typeface="+mn-ea"/>
+                <a:cs typeface="+mn-cs"/>
+              </a:rPr>
+              <a:t>就可以分别看做是“我”、“爱”、“中”、“国”所代表的信息。在翻译成英语时，第一个上下文</a:t>
+            </a:r>
+            <a:r>
+              <a:rPr lang="en-US" altLang="zh-CN" sz="1200" b="0" i="0" kern="1200" dirty="0" smtClean="0">
+                <a:solidFill>
+                  <a:schemeClr val="tx1"/>
+                </a:solidFill>
+                <a:effectLst/>
+                <a:latin typeface="+mn-lt"/>
+                <a:ea typeface="+mn-ea"/>
+                <a:cs typeface="+mn-cs"/>
+              </a:rPr>
+              <a:t>c1</a:t>
+            </a:r>
+            <a:r>
+              <a:rPr lang="zh-CN" altLang="en-US" sz="1200" b="0" i="0" kern="1200" dirty="0" smtClean="0">
+                <a:solidFill>
+                  <a:schemeClr val="tx1"/>
+                </a:solidFill>
+                <a:effectLst/>
+                <a:latin typeface="+mn-lt"/>
+                <a:ea typeface="+mn-ea"/>
+                <a:cs typeface="+mn-cs"/>
+              </a:rPr>
+              <a:t>应该和“我”这个字最相关，因此对应的  就比较大，而相应的  、  、  就比较小。</a:t>
+            </a:r>
+            <a:r>
+              <a:rPr lang="en-US" altLang="zh-CN" sz="1200" b="0" i="0" kern="1200" dirty="0" smtClean="0">
+                <a:solidFill>
+                  <a:schemeClr val="tx1"/>
+                </a:solidFill>
+                <a:effectLst/>
+                <a:latin typeface="+mn-lt"/>
+                <a:ea typeface="+mn-ea"/>
+                <a:cs typeface="+mn-cs"/>
+              </a:rPr>
+              <a:t>c2</a:t>
+            </a:r>
+            <a:r>
+              <a:rPr lang="zh-CN" altLang="en-US" sz="1200" b="0" i="0" kern="1200" dirty="0" smtClean="0">
+                <a:solidFill>
+                  <a:schemeClr val="tx1"/>
+                </a:solidFill>
+                <a:effectLst/>
+                <a:latin typeface="+mn-lt"/>
+                <a:ea typeface="+mn-ea"/>
+                <a:cs typeface="+mn-cs"/>
+              </a:rPr>
+              <a:t>应该和“爱”最相关，因此对应的  就比较大。最后的</a:t>
+            </a:r>
+            <a:r>
+              <a:rPr lang="en-US" altLang="zh-CN" sz="1200" b="0" i="0" kern="1200" dirty="0" smtClean="0">
+                <a:solidFill>
+                  <a:schemeClr val="tx1"/>
+                </a:solidFill>
+                <a:effectLst/>
+                <a:latin typeface="+mn-lt"/>
+                <a:ea typeface="+mn-ea"/>
+                <a:cs typeface="+mn-cs"/>
+              </a:rPr>
+              <a:t>c3</a:t>
+            </a:r>
+            <a:r>
+              <a:rPr lang="zh-CN" altLang="en-US" sz="1200" b="0" i="0" kern="1200" dirty="0" smtClean="0">
+                <a:solidFill>
+                  <a:schemeClr val="tx1"/>
+                </a:solidFill>
+                <a:effectLst/>
+                <a:latin typeface="+mn-lt"/>
+                <a:ea typeface="+mn-ea"/>
+                <a:cs typeface="+mn-cs"/>
+              </a:rPr>
+              <a:t>和</a:t>
+            </a:r>
+            <a:r>
+              <a:rPr lang="en-US" altLang="zh-CN" sz="1200" b="0" i="0" kern="1200" dirty="0" smtClean="0">
+                <a:solidFill>
+                  <a:schemeClr val="tx1"/>
+                </a:solidFill>
+                <a:effectLst/>
+                <a:latin typeface="+mn-lt"/>
+                <a:ea typeface="+mn-ea"/>
+                <a:cs typeface="+mn-cs"/>
+              </a:rPr>
+              <a:t>h3</a:t>
+            </a:r>
+            <a:r>
+              <a:rPr lang="zh-CN" altLang="en-US" sz="1200" b="0" i="0" kern="1200" dirty="0" smtClean="0">
+                <a:solidFill>
+                  <a:schemeClr val="tx1"/>
+                </a:solidFill>
+                <a:effectLst/>
+                <a:latin typeface="+mn-lt"/>
+                <a:ea typeface="+mn-ea"/>
+                <a:cs typeface="+mn-cs"/>
+              </a:rPr>
+              <a:t>、</a:t>
+            </a:r>
+            <a:r>
+              <a:rPr lang="en-US" altLang="zh-CN" sz="1200" b="0" i="0" kern="1200" dirty="0" smtClean="0">
+                <a:solidFill>
+                  <a:schemeClr val="tx1"/>
+                </a:solidFill>
+                <a:effectLst/>
+                <a:latin typeface="+mn-lt"/>
+                <a:ea typeface="+mn-ea"/>
+                <a:cs typeface="+mn-cs"/>
+              </a:rPr>
+              <a:t>h4</a:t>
+            </a:r>
+            <a:r>
+              <a:rPr lang="zh-CN" altLang="en-US" sz="1200" b="0" i="0" kern="1200" dirty="0" smtClean="0">
+                <a:solidFill>
+                  <a:schemeClr val="tx1"/>
+                </a:solidFill>
+                <a:effectLst/>
+                <a:latin typeface="+mn-lt"/>
+                <a:ea typeface="+mn-ea"/>
+                <a:cs typeface="+mn-cs"/>
+              </a:rPr>
+              <a:t>最相关，因此  、  的值就比较大。</a:t>
+            </a:r>
+            <a:endParaRPr lang="en-US" dirty="0"/>
           </a:p>
         </p:txBody>
       </p:sp>
@@ -785,6 +1070,342 @@
             <a:fld id="{55D2869D-7E88-41DE-8919-E38F09D0A8C5}" type="slidenum">
               <a:rPr lang="en-US" smtClean="0"/>
               <a:t>4</a:t>
+            </a:fld>
+            <a:endParaRPr lang="en-US"/>
+          </a:p>
+        </p:txBody>
+      </p:sp>
+    </p:spTree>
+    <p:extLst>
+      <p:ext uri="{BB962C8B-B14F-4D97-AF65-F5344CB8AC3E}">
+        <p14:creationId xmlns:p14="http://schemas.microsoft.com/office/powerpoint/2010/main" val="3339715652"/>
+      </p:ext>
+    </p:extLst>
+  </p:cSld>
+  <p:clrMapOvr>
+    <a:masterClrMapping/>
+  </p:clrMapOvr>
+</p:notes>
+</file>
+
+<file path=ppt/notesSlides/notesSlide5.xml><?xml version="1.0" encoding="utf-8"?>
+<p:notes xmlns:a="http://schemas.openxmlformats.org/drawingml/2006/main" xmlns:r="http://schemas.openxmlformats.org/officeDocument/2006/relationships" xmlns:p="http://schemas.openxmlformats.org/presentationml/2006/main">
+  <p:cSld>
+    <p:spTree>
+      <p:nvGrpSpPr>
+        <p:cNvPr id="1" name=""/>
+        <p:cNvGrpSpPr/>
+        <p:nvPr/>
+      </p:nvGrpSpPr>
+      <p:grpSpPr>
+        <a:xfrm>
+          <a:off x="0" y="0"/>
+          <a:ext cx="0" cy="0"/>
+          <a:chOff x="0" y="0"/>
+          <a:chExt cx="0" cy="0"/>
+        </a:xfrm>
+      </p:grpSpPr>
+      <p:sp>
+        <p:nvSpPr>
+          <p:cNvPr id="2" name="Slide Image Placeholder 1"/>
+          <p:cNvSpPr>
+            <a:spLocks noGrp="1" noRot="1" noChangeAspect="1"/>
+          </p:cNvSpPr>
+          <p:nvPr>
+            <p:ph type="sldImg"/>
+          </p:nvPr>
+        </p:nvSpPr>
+        <p:spPr/>
+      </p:sp>
+      <p:sp>
+        <p:nvSpPr>
+          <p:cNvPr id="3" name="Notes Placeholder 2"/>
+          <p:cNvSpPr>
+            <a:spLocks noGrp="1"/>
+          </p:cNvSpPr>
+          <p:nvPr>
+            <p:ph type="body" idx="1"/>
+          </p:nvPr>
+        </p:nvSpPr>
+        <p:spPr/>
+        <p:txBody>
+          <a:bodyPr/>
+          <a:lstStyle/>
+          <a:p>
+            <a:endParaRPr lang="en-US"/>
+          </a:p>
+        </p:txBody>
+      </p:sp>
+      <p:sp>
+        <p:nvSpPr>
+          <p:cNvPr id="4" name="Slide Number Placeholder 3"/>
+          <p:cNvSpPr>
+            <a:spLocks noGrp="1"/>
+          </p:cNvSpPr>
+          <p:nvPr>
+            <p:ph type="sldNum" sz="quarter" idx="10"/>
+          </p:nvPr>
+        </p:nvSpPr>
+        <p:spPr/>
+        <p:txBody>
+          <a:bodyPr/>
+          <a:lstStyle/>
+          <a:p>
+            <a:fld id="{55D2869D-7E88-41DE-8919-E38F09D0A8C5}" type="slidenum">
+              <a:rPr lang="en-US" smtClean="0"/>
+              <a:t>5</a:t>
+            </a:fld>
+            <a:endParaRPr lang="en-US"/>
+          </a:p>
+        </p:txBody>
+      </p:sp>
+    </p:spTree>
+    <p:extLst>
+      <p:ext uri="{BB962C8B-B14F-4D97-AF65-F5344CB8AC3E}">
+        <p14:creationId xmlns:p14="http://schemas.microsoft.com/office/powerpoint/2010/main" val="499216727"/>
+      </p:ext>
+    </p:extLst>
+  </p:cSld>
+  <p:clrMapOvr>
+    <a:masterClrMapping/>
+  </p:clrMapOvr>
+</p:notes>
+</file>
+
+<file path=ppt/notesSlides/notesSlide6.xml><?xml version="1.0" encoding="utf-8"?>
+<p:notes xmlns:a="http://schemas.openxmlformats.org/drawingml/2006/main" xmlns:r="http://schemas.openxmlformats.org/officeDocument/2006/relationships" xmlns:p="http://schemas.openxmlformats.org/presentationml/2006/main">
+  <p:cSld>
+    <p:spTree>
+      <p:nvGrpSpPr>
+        <p:cNvPr id="1" name=""/>
+        <p:cNvGrpSpPr/>
+        <p:nvPr/>
+      </p:nvGrpSpPr>
+      <p:grpSpPr>
+        <a:xfrm>
+          <a:off x="0" y="0"/>
+          <a:ext cx="0" cy="0"/>
+          <a:chOff x="0" y="0"/>
+          <a:chExt cx="0" cy="0"/>
+        </a:xfrm>
+      </p:grpSpPr>
+      <p:sp>
+        <p:nvSpPr>
+          <p:cNvPr id="2" name="Slide Image Placeholder 1"/>
+          <p:cNvSpPr>
+            <a:spLocks noGrp="1" noRot="1" noChangeAspect="1"/>
+          </p:cNvSpPr>
+          <p:nvPr>
+            <p:ph type="sldImg"/>
+          </p:nvPr>
+        </p:nvSpPr>
+        <p:spPr/>
+      </p:sp>
+      <p:sp>
+        <p:nvSpPr>
+          <p:cNvPr id="3" name="Notes Placeholder 2"/>
+          <p:cNvSpPr>
+            <a:spLocks noGrp="1"/>
+          </p:cNvSpPr>
+          <p:nvPr>
+            <p:ph type="body" idx="1"/>
+          </p:nvPr>
+        </p:nvSpPr>
+        <p:spPr/>
+        <p:txBody>
+          <a:bodyPr/>
+          <a:lstStyle/>
+          <a:p>
+            <a:endParaRPr lang="en-US"/>
+          </a:p>
+        </p:txBody>
+      </p:sp>
+      <p:sp>
+        <p:nvSpPr>
+          <p:cNvPr id="4" name="Slide Number Placeholder 3"/>
+          <p:cNvSpPr>
+            <a:spLocks noGrp="1"/>
+          </p:cNvSpPr>
+          <p:nvPr>
+            <p:ph type="sldNum" sz="quarter" idx="10"/>
+          </p:nvPr>
+        </p:nvSpPr>
+        <p:spPr/>
+        <p:txBody>
+          <a:bodyPr/>
+          <a:lstStyle/>
+          <a:p>
+            <a:fld id="{55D2869D-7E88-41DE-8919-E38F09D0A8C5}" type="slidenum">
+              <a:rPr lang="en-US" smtClean="0"/>
+              <a:t>6</a:t>
+            </a:fld>
+            <a:endParaRPr lang="en-US"/>
+          </a:p>
+        </p:txBody>
+      </p:sp>
+    </p:spTree>
+    <p:extLst>
+      <p:ext uri="{BB962C8B-B14F-4D97-AF65-F5344CB8AC3E}">
+        <p14:creationId xmlns:p14="http://schemas.microsoft.com/office/powerpoint/2010/main" val="894055913"/>
+      </p:ext>
+    </p:extLst>
+  </p:cSld>
+  <p:clrMapOvr>
+    <a:masterClrMapping/>
+  </p:clrMapOvr>
+</p:notes>
+</file>
+
+<file path=ppt/notesSlides/notesSlide7.xml><?xml version="1.0" encoding="utf-8"?>
+<p:notes xmlns:a="http://schemas.openxmlformats.org/drawingml/2006/main" xmlns:r="http://schemas.openxmlformats.org/officeDocument/2006/relationships" xmlns:p="http://schemas.openxmlformats.org/presentationml/2006/main">
+  <p:cSld>
+    <p:spTree>
+      <p:nvGrpSpPr>
+        <p:cNvPr id="1" name=""/>
+        <p:cNvGrpSpPr/>
+        <p:nvPr/>
+      </p:nvGrpSpPr>
+      <p:grpSpPr>
+        <a:xfrm>
+          <a:off x="0" y="0"/>
+          <a:ext cx="0" cy="0"/>
+          <a:chOff x="0" y="0"/>
+          <a:chExt cx="0" cy="0"/>
+        </a:xfrm>
+      </p:grpSpPr>
+      <p:sp>
+        <p:nvSpPr>
+          <p:cNvPr id="2" name="Slide Image Placeholder 1"/>
+          <p:cNvSpPr>
+            <a:spLocks noGrp="1" noRot="1" noChangeAspect="1"/>
+          </p:cNvSpPr>
+          <p:nvPr>
+            <p:ph type="sldImg"/>
+          </p:nvPr>
+        </p:nvSpPr>
+        <p:spPr/>
+      </p:sp>
+      <p:sp>
+        <p:nvSpPr>
+          <p:cNvPr id="3" name="Notes Placeholder 2"/>
+          <p:cNvSpPr>
+            <a:spLocks noGrp="1"/>
+          </p:cNvSpPr>
+          <p:nvPr>
+            <p:ph type="body" idx="1"/>
+          </p:nvPr>
+        </p:nvSpPr>
+        <p:spPr/>
+        <p:txBody>
+          <a:bodyPr/>
+          <a:lstStyle/>
+          <a:p>
+            <a:endParaRPr lang="en-US"/>
+          </a:p>
+        </p:txBody>
+      </p:sp>
+      <p:sp>
+        <p:nvSpPr>
+          <p:cNvPr id="4" name="Slide Number Placeholder 3"/>
+          <p:cNvSpPr>
+            <a:spLocks noGrp="1"/>
+          </p:cNvSpPr>
+          <p:nvPr>
+            <p:ph type="sldNum" sz="quarter" idx="10"/>
+          </p:nvPr>
+        </p:nvSpPr>
+        <p:spPr/>
+        <p:txBody>
+          <a:bodyPr/>
+          <a:lstStyle/>
+          <a:p>
+            <a:fld id="{55D2869D-7E88-41DE-8919-E38F09D0A8C5}" type="slidenum">
+              <a:rPr lang="en-US" smtClean="0"/>
+              <a:t>7</a:t>
+            </a:fld>
+            <a:endParaRPr lang="en-US"/>
+          </a:p>
+        </p:txBody>
+      </p:sp>
+    </p:spTree>
+    <p:extLst>
+      <p:ext uri="{BB962C8B-B14F-4D97-AF65-F5344CB8AC3E}">
+        <p14:creationId xmlns:p14="http://schemas.microsoft.com/office/powerpoint/2010/main" val="4024399784"/>
+      </p:ext>
+    </p:extLst>
+  </p:cSld>
+  <p:clrMapOvr>
+    <a:masterClrMapping/>
+  </p:clrMapOvr>
+</p:notes>
+</file>
+
+<file path=ppt/notesSlides/notesSlide8.xml><?xml version="1.0" encoding="utf-8"?>
+<p:notes xmlns:a="http://schemas.openxmlformats.org/drawingml/2006/main" xmlns:r="http://schemas.openxmlformats.org/officeDocument/2006/relationships" xmlns:p="http://schemas.openxmlformats.org/presentationml/2006/main">
+  <p:cSld>
+    <p:spTree>
+      <p:nvGrpSpPr>
+        <p:cNvPr id="1" name=""/>
+        <p:cNvGrpSpPr/>
+        <p:nvPr/>
+      </p:nvGrpSpPr>
+      <p:grpSpPr>
+        <a:xfrm>
+          <a:off x="0" y="0"/>
+          <a:ext cx="0" cy="0"/>
+          <a:chOff x="0" y="0"/>
+          <a:chExt cx="0" cy="0"/>
+        </a:xfrm>
+      </p:grpSpPr>
+      <p:sp>
+        <p:nvSpPr>
+          <p:cNvPr id="2" name="Slide Image Placeholder 1"/>
+          <p:cNvSpPr>
+            <a:spLocks noGrp="1" noRot="1" noChangeAspect="1"/>
+          </p:cNvSpPr>
+          <p:nvPr>
+            <p:ph type="sldImg"/>
+          </p:nvPr>
+        </p:nvSpPr>
+        <p:spPr/>
+      </p:sp>
+      <p:sp>
+        <p:nvSpPr>
+          <p:cNvPr id="3" name="Notes Placeholder 2"/>
+          <p:cNvSpPr>
+            <a:spLocks noGrp="1"/>
+          </p:cNvSpPr>
+          <p:nvPr>
+            <p:ph type="body" idx="1"/>
+          </p:nvPr>
+        </p:nvSpPr>
+        <p:spPr/>
+        <p:txBody>
+          <a:bodyPr/>
+          <a:lstStyle/>
+          <a:p>
+            <a:endParaRPr lang="en-US"/>
+          </a:p>
+        </p:txBody>
+      </p:sp>
+      <p:sp>
+        <p:nvSpPr>
+          <p:cNvPr id="4" name="Slide Number Placeholder 3"/>
+          <p:cNvSpPr>
+            <a:spLocks noGrp="1"/>
+          </p:cNvSpPr>
+          <p:nvPr>
+            <p:ph type="sldNum" sz="quarter" idx="10"/>
+          </p:nvPr>
+        </p:nvSpPr>
+        <p:spPr/>
+        <p:txBody>
+          <a:bodyPr/>
+          <a:lstStyle/>
+          <a:p>
+            <a:fld id="{55D2869D-7E88-41DE-8919-E38F09D0A8C5}" type="slidenum">
+              <a:rPr lang="en-US" smtClean="0"/>
+              <a:t>8</a:t>
             </a:fld>
             <a:endParaRPr lang="en-US"/>
           </a:p>
@@ -934,7 +1555,7 @@
           <a:p>
             <a:fld id="{630B6AA0-0664-4EB1-8E3A-72590DDF4C08}" type="datetimeFigureOut">
               <a:rPr lang="en-US" smtClean="0"/>
-              <a:t>1/16/2018</a:t>
+              <a:t>1/18/2018</a:t>
             </a:fld>
             <a:endParaRPr lang="en-US"/>
           </a:p>
@@ -1104,7 +1725,7 @@
           <a:p>
             <a:fld id="{630B6AA0-0664-4EB1-8E3A-72590DDF4C08}" type="datetimeFigureOut">
               <a:rPr lang="en-US" smtClean="0"/>
-              <a:t>1/16/2018</a:t>
+              <a:t>1/18/2018</a:t>
             </a:fld>
             <a:endParaRPr lang="en-US"/>
           </a:p>
@@ -1284,7 +1905,7 @@
           <a:p>
             <a:fld id="{630B6AA0-0664-4EB1-8E3A-72590DDF4C08}" type="datetimeFigureOut">
               <a:rPr lang="en-US" smtClean="0"/>
-              <a:t>1/16/2018</a:t>
+              <a:t>1/18/2018</a:t>
             </a:fld>
             <a:endParaRPr lang="en-US"/>
           </a:p>
@@ -1454,7 +2075,7 @@
           <a:p>
             <a:fld id="{630B6AA0-0664-4EB1-8E3A-72590DDF4C08}" type="datetimeFigureOut">
               <a:rPr lang="en-US" smtClean="0"/>
-              <a:t>1/16/2018</a:t>
+              <a:t>1/18/2018</a:t>
             </a:fld>
             <a:endParaRPr lang="en-US"/>
           </a:p>
@@ -1700,7 +2321,7 @@
           <a:p>
             <a:fld id="{630B6AA0-0664-4EB1-8E3A-72590DDF4C08}" type="datetimeFigureOut">
               <a:rPr lang="en-US" smtClean="0"/>
-              <a:t>1/16/2018</a:t>
+              <a:t>1/18/2018</a:t>
             </a:fld>
             <a:endParaRPr lang="en-US"/>
           </a:p>
@@ -1932,7 +2553,7 @@
           <a:p>
             <a:fld id="{630B6AA0-0664-4EB1-8E3A-72590DDF4C08}" type="datetimeFigureOut">
               <a:rPr lang="en-US" smtClean="0"/>
-              <a:t>1/16/2018</a:t>
+              <a:t>1/18/2018</a:t>
             </a:fld>
             <a:endParaRPr lang="en-US"/>
           </a:p>
@@ -2299,7 +2920,7 @@
           <a:p>
             <a:fld id="{630B6AA0-0664-4EB1-8E3A-72590DDF4C08}" type="datetimeFigureOut">
               <a:rPr lang="en-US" smtClean="0"/>
-              <a:t>1/16/2018</a:t>
+              <a:t>1/18/2018</a:t>
             </a:fld>
             <a:endParaRPr lang="en-US"/>
           </a:p>
@@ -2417,7 +3038,7 @@
           <a:p>
             <a:fld id="{630B6AA0-0664-4EB1-8E3A-72590DDF4C08}" type="datetimeFigureOut">
               <a:rPr lang="en-US" smtClean="0"/>
-              <a:t>1/16/2018</a:t>
+              <a:t>1/18/2018</a:t>
             </a:fld>
             <a:endParaRPr lang="en-US"/>
           </a:p>
@@ -2512,7 +3133,7 @@
           <a:p>
             <a:fld id="{630B6AA0-0664-4EB1-8E3A-72590DDF4C08}" type="datetimeFigureOut">
               <a:rPr lang="en-US" smtClean="0"/>
-              <a:t>1/16/2018</a:t>
+              <a:t>1/18/2018</a:t>
             </a:fld>
             <a:endParaRPr lang="en-US"/>
           </a:p>
@@ -2789,7 +3410,7 @@
           <a:p>
             <a:fld id="{630B6AA0-0664-4EB1-8E3A-72590DDF4C08}" type="datetimeFigureOut">
               <a:rPr lang="en-US" smtClean="0"/>
-              <a:t>1/16/2018</a:t>
+              <a:t>1/18/2018</a:t>
             </a:fld>
             <a:endParaRPr lang="en-US"/>
           </a:p>
@@ -3042,7 +3663,7 @@
           <a:p>
             <a:fld id="{630B6AA0-0664-4EB1-8E3A-72590DDF4C08}" type="datetimeFigureOut">
               <a:rPr lang="en-US" smtClean="0"/>
-              <a:t>1/16/2018</a:t>
+              <a:t>1/18/2018</a:t>
             </a:fld>
             <a:endParaRPr lang="en-US"/>
           </a:p>
@@ -3255,7 +3876,7 @@
           <a:p>
             <a:fld id="{630B6AA0-0664-4EB1-8E3A-72590DDF4C08}" type="datetimeFigureOut">
               <a:rPr lang="en-US" smtClean="0"/>
-              <a:t>1/16/2018</a:t>
+              <a:t>1/18/2018</a:t>
             </a:fld>
             <a:endParaRPr lang="en-US"/>
           </a:p>
@@ -3677,7 +4298,7 @@
           <a:p>
             <a:r>
               <a:rPr lang="en-US" dirty="0" smtClean="0"/>
-              <a:t>Attention &amp; Beam search</a:t>
+              <a:t>Attention</a:t>
             </a:r>
             <a:endParaRPr lang="en-US" dirty="0"/>
           </a:p>
@@ -3704,7 +4325,7 @@
             </a:r>
             <a:r>
               <a:rPr lang="zh-CN" altLang="en-US" dirty="0" smtClean="0"/>
-              <a:t>力模型</a:t>
+              <a:t>力机制</a:t>
             </a:r>
             <a:endParaRPr lang="en-US" dirty="0"/>
           </a:p>
@@ -3963,8 +4584,8 @@
               <a:t>Attention</a:t>
             </a:r>
             <a:r>
-              <a:rPr lang="zh-CN" altLang="en-US" dirty="0" smtClean="0"/>
-              <a:t>模型</a:t>
+              <a:rPr lang="zh-CN" altLang="en-US" dirty="0"/>
+              <a:t>机制</a:t>
             </a:r>
             <a:endParaRPr lang="en-US" dirty="0"/>
           </a:p>
@@ -3982,8 +4603,8 @@
         </p:nvSpPr>
         <p:spPr>
           <a:xfrm>
-            <a:off x="838200" y="1825625"/>
-            <a:ext cx="5409134" cy="4351338"/>
+            <a:off x="838199" y="1825625"/>
+            <a:ext cx="6930911" cy="4351338"/>
           </a:xfrm>
         </p:spPr>
         <p:txBody>
@@ -3991,13 +4612,286 @@
           <a:lstStyle/>
           <a:p>
             <a:r>
+              <a:rPr lang="en-US" altLang="zh-CN" dirty="0"/>
+              <a:t>Attention</a:t>
+            </a:r>
+            <a:r>
+              <a:rPr lang="zh-CN" altLang="en-US" dirty="0"/>
+              <a:t>机制通过在每个时间输入不同的</a:t>
+            </a:r>
+            <a:r>
+              <a:rPr lang="en-US" altLang="zh-CN" dirty="0"/>
+              <a:t>c</a:t>
+            </a:r>
+            <a:r>
+              <a:rPr lang="zh-CN" altLang="en-US" dirty="0"/>
+              <a:t>来解决这个问题</a:t>
+            </a:r>
+            <a:r>
               <a:rPr lang="zh-CN" altLang="en-US" dirty="0" smtClean="0"/>
-              <a:t>模拟了人类的视觉注意机制而来，当观察某个画面时，注意力聚焦到其中某一部分，其余部分则变得模糊。</a:t>
+              <a:t>，</a:t>
+            </a:r>
+            <a:r>
+              <a:rPr lang="zh-CN" altLang="en-US" dirty="0"/>
+              <a:t>右</a:t>
+            </a:r>
+            <a:r>
+              <a:rPr lang="zh-CN" altLang="en-US" dirty="0" smtClean="0"/>
+              <a:t>图</a:t>
+            </a:r>
+            <a:r>
+              <a:rPr lang="zh-CN" altLang="en-US" dirty="0"/>
+              <a:t>是带有</a:t>
+            </a:r>
+            <a:r>
+              <a:rPr lang="en-US" altLang="zh-CN" dirty="0"/>
+              <a:t>Attention</a:t>
+            </a:r>
+            <a:r>
+              <a:rPr lang="zh-CN" altLang="en-US" dirty="0"/>
+              <a:t>机制的</a:t>
+            </a:r>
+            <a:r>
+              <a:rPr lang="en-US" altLang="zh-CN" dirty="0" smtClean="0"/>
+              <a:t>Decoder</a:t>
+            </a:r>
+            <a:r>
+              <a:rPr lang="zh-CN" altLang="en-US" dirty="0" smtClean="0"/>
+              <a:t>。</a:t>
+            </a:r>
+            <a:endParaRPr lang="en-US" altLang="zh-CN" dirty="0" smtClean="0"/>
+          </a:p>
+          <a:p>
+            <a:pPr lvl="1"/>
+            <a:r>
+              <a:rPr lang="zh-CN" altLang="en-US" dirty="0"/>
+              <a:t>每一个</a:t>
+            </a:r>
+            <a:r>
+              <a:rPr lang="en-US" altLang="zh-CN" dirty="0"/>
+              <a:t>c</a:t>
+            </a:r>
+            <a:r>
+              <a:rPr lang="zh-CN" altLang="en-US" dirty="0"/>
+              <a:t>会自动去选取与当前所要输出的</a:t>
+            </a:r>
+            <a:r>
+              <a:rPr lang="en-US" altLang="zh-CN" dirty="0"/>
+              <a:t>y</a:t>
+            </a:r>
+            <a:r>
+              <a:rPr lang="zh-CN" altLang="en-US" dirty="0"/>
+              <a:t>最合适的上下文信息</a:t>
+            </a:r>
+            <a:r>
+              <a:rPr lang="zh-CN" altLang="en-US" dirty="0" smtClean="0"/>
+              <a:t>。</a:t>
+            </a:r>
+            <a:endParaRPr lang="en-US" altLang="zh-CN" dirty="0" smtClean="0"/>
+          </a:p>
+          <a:p>
+            <a:pPr lvl="1"/>
+            <a:r>
+              <a:rPr lang="zh-CN" altLang="en-US" dirty="0"/>
+              <a:t>我们用 </a:t>
+            </a:r>
+            <a:r>
+              <a:rPr lang="en-US" altLang="zh-CN" dirty="0" err="1" smtClean="0"/>
+              <a:t>a</a:t>
+            </a:r>
+            <a:r>
+              <a:rPr lang="en-US" altLang="zh-CN" baseline="-25000" dirty="0" err="1" smtClean="0"/>
+              <a:t>ij</a:t>
+            </a:r>
+            <a:r>
+              <a:rPr lang="en-US" altLang="zh-CN" dirty="0" smtClean="0"/>
+              <a:t> </a:t>
+            </a:r>
+            <a:r>
+              <a:rPr lang="zh-CN" altLang="en-US" dirty="0"/>
+              <a:t>衡量</a:t>
+            </a:r>
+            <a:r>
+              <a:rPr lang="en-US" altLang="zh-CN" dirty="0"/>
+              <a:t>Encoder</a:t>
+            </a:r>
+            <a:r>
+              <a:rPr lang="zh-CN" altLang="en-US" dirty="0"/>
+              <a:t>中第</a:t>
+            </a:r>
+            <a:r>
+              <a:rPr lang="en-US" altLang="zh-CN" dirty="0"/>
+              <a:t>j</a:t>
+            </a:r>
+            <a:r>
+              <a:rPr lang="zh-CN" altLang="en-US" dirty="0"/>
+              <a:t>阶段的</a:t>
+            </a:r>
+            <a:r>
+              <a:rPr lang="en-US" altLang="zh-CN" dirty="0" err="1"/>
+              <a:t>h</a:t>
+            </a:r>
+            <a:r>
+              <a:rPr lang="en-US" altLang="zh-CN" baseline="-25000" dirty="0" err="1"/>
+              <a:t>j</a:t>
+            </a:r>
+            <a:r>
+              <a:rPr lang="zh-CN" altLang="en-US" dirty="0"/>
+              <a:t>和解码时第</a:t>
+            </a:r>
+            <a:r>
+              <a:rPr lang="en-US" altLang="zh-CN" dirty="0" err="1"/>
+              <a:t>i</a:t>
+            </a:r>
+            <a:r>
+              <a:rPr lang="zh-CN" altLang="en-US" dirty="0"/>
+              <a:t>阶段的相关</a:t>
+            </a:r>
+            <a:r>
+              <a:rPr lang="zh-CN" altLang="en-US" dirty="0" smtClean="0"/>
+              <a:t>性</a:t>
+            </a:r>
+            <a:endParaRPr lang="en-US" altLang="zh-CN" dirty="0" smtClean="0"/>
+          </a:p>
+          <a:p>
+            <a:pPr lvl="1"/>
+            <a:r>
+              <a:rPr lang="zh-CN" altLang="en-US" dirty="0"/>
+              <a:t>最终</a:t>
+            </a:r>
+            <a:r>
+              <a:rPr lang="en-US" dirty="0"/>
+              <a:t>Decoder</a:t>
+            </a:r>
+            <a:r>
+              <a:rPr lang="zh-CN" altLang="en-US" dirty="0"/>
+              <a:t>中第</a:t>
+            </a:r>
+            <a:r>
+              <a:rPr lang="en-US" dirty="0" err="1"/>
+              <a:t>i</a:t>
+            </a:r>
+            <a:r>
+              <a:rPr lang="zh-CN" altLang="en-US" dirty="0"/>
+              <a:t>阶段的输入的上下文信息 </a:t>
+            </a:r>
+            <a:r>
+              <a:rPr lang="en-US" dirty="0" smtClean="0"/>
+              <a:t>c</a:t>
+            </a:r>
+            <a:r>
+              <a:rPr lang="en-US" baseline="-25000" dirty="0" smtClean="0"/>
+              <a:t>i</a:t>
+            </a:r>
+            <a:r>
+              <a:rPr lang="en-US" dirty="0" smtClean="0"/>
+              <a:t> </a:t>
+            </a:r>
+            <a:r>
+              <a:rPr lang="zh-CN" altLang="en-US" dirty="0"/>
+              <a:t>就来自于所有 </a:t>
+            </a:r>
+            <a:r>
+              <a:rPr lang="en-US" dirty="0" err="1" smtClean="0"/>
+              <a:t>h</a:t>
+            </a:r>
+            <a:r>
+              <a:rPr lang="en-US" baseline="-25000" dirty="0" err="1" smtClean="0"/>
+              <a:t>j</a:t>
+            </a:r>
+            <a:r>
+              <a:rPr lang="en-US" dirty="0" smtClean="0"/>
+              <a:t> </a:t>
+            </a:r>
+            <a:r>
+              <a:rPr lang="zh-CN" altLang="en-US" dirty="0"/>
+              <a:t>对 </a:t>
+            </a:r>
+            <a:r>
+              <a:rPr lang="en-US" dirty="0" err="1" smtClean="0"/>
+              <a:t>a</a:t>
+            </a:r>
+            <a:r>
+              <a:rPr lang="en-US" baseline="-25000" dirty="0" err="1" smtClean="0"/>
+              <a:t>ij</a:t>
+            </a:r>
+            <a:r>
+              <a:rPr lang="en-US" dirty="0" smtClean="0"/>
+              <a:t> </a:t>
+            </a:r>
+            <a:r>
+              <a:rPr lang="zh-CN" altLang="en-US" dirty="0"/>
+              <a:t>的加权和。</a:t>
             </a:r>
             <a:endParaRPr lang="en-US" dirty="0"/>
           </a:p>
         </p:txBody>
       </p:sp>
+      <p:pic>
+        <p:nvPicPr>
+          <p:cNvPr id="1026" name="Picture 2" descr="https://pic4.zhimg.com/50/v2-8da16d429d33b0f2705e47af98e66579_hd.jpg"/>
+          <p:cNvPicPr>
+            <a:picLocks noChangeAspect="1" noChangeArrowheads="1"/>
+          </p:cNvPicPr>
+          <p:nvPr/>
+        </p:nvPicPr>
+        <p:blipFill>
+          <a:blip r:embed="rId3">
+            <a:extLst>
+              <a:ext uri="{28A0092B-C50C-407E-A947-70E740481C1C}">
+                <a14:useLocalDpi xmlns:a14="http://schemas.microsoft.com/office/drawing/2010/main" val="0"/>
+              </a:ext>
+            </a:extLst>
+          </a:blip>
+          <a:srcRect/>
+          <a:stretch>
+            <a:fillRect/>
+          </a:stretch>
+        </p:blipFill>
+        <p:spPr bwMode="auto">
+          <a:xfrm>
+            <a:off x="7924800" y="1690688"/>
+            <a:ext cx="3429000" cy="3595688"/>
+          </a:xfrm>
+          <a:prstGeom prst="rect">
+            <a:avLst/>
+          </a:prstGeom>
+          <a:noFill/>
+          <a:extLst>
+            <a:ext uri="{909E8E84-426E-40DD-AFC4-6F175D3DCCD1}">
+              <a14:hiddenFill xmlns:a14="http://schemas.microsoft.com/office/drawing/2010/main">
+                <a:solidFill>
+                  <a:srgbClr val="FFFFFF"/>
+                </a:solidFill>
+              </a14:hiddenFill>
+            </a:ext>
+          </a:extLst>
+        </p:spPr>
+      </p:pic>
+      <p:pic>
+        <p:nvPicPr>
+          <p:cNvPr id="4" name="Picture 3"/>
+          <p:cNvPicPr>
+            <a:picLocks noChangeAspect="1"/>
+          </p:cNvPicPr>
+          <p:nvPr/>
+        </p:nvPicPr>
+        <p:blipFill>
+          <a:blip r:embed="rId4"/>
+          <a:stretch>
+            <a:fillRect/>
+          </a:stretch>
+        </p:blipFill>
+        <p:spPr>
+          <a:xfrm>
+            <a:off x="3154009" y="5187951"/>
+            <a:ext cx="1300163" cy="842963"/>
+          </a:xfrm>
+          <a:prstGeom prst="rect">
+            <a:avLst/>
+          </a:prstGeom>
+        </p:spPr>
+      </p:pic>
     </p:spTree>
     <p:extLst>
       <p:ext uri="{BB962C8B-B14F-4D97-AF65-F5344CB8AC3E}">
@@ -4044,6 +4938,1025 @@
           <a:lstStyle/>
           <a:p>
             <a:r>
+              <a:rPr lang="en-US" dirty="0"/>
+              <a:t>Attention</a:t>
+            </a:r>
+            <a:r>
+              <a:rPr lang="zh-CN" altLang="en-US" dirty="0"/>
+              <a:t>机制</a:t>
+            </a:r>
+            <a:endParaRPr lang="en-US" dirty="0"/>
+          </a:p>
+        </p:txBody>
+      </p:sp>
+      <p:sp>
+        <p:nvSpPr>
+          <p:cNvPr id="3" name="Content Placeholder 2"/>
+          <p:cNvSpPr>
+            <a:spLocks noGrp="1"/>
+          </p:cNvSpPr>
+          <p:nvPr>
+            <p:ph idx="1"/>
+          </p:nvPr>
+        </p:nvSpPr>
+        <p:spPr/>
+        <p:txBody>
+          <a:bodyPr/>
+          <a:lstStyle/>
+          <a:p>
+            <a:r>
+              <a:rPr lang="zh-CN" altLang="en-US" dirty="0"/>
+              <a:t>以机器翻译为例（将中文翻译成英文）：</a:t>
+            </a:r>
+            <a:endParaRPr lang="en-US" dirty="0"/>
+          </a:p>
+        </p:txBody>
+      </p:sp>
+      <p:pic>
+        <p:nvPicPr>
+          <p:cNvPr id="2050" name="Picture 2" descr="https://pic1.zhimg.com/50/v2-d266bf48a1d77e7e4db607978574c9fc_hd.jpg"/>
+          <p:cNvPicPr>
+            <a:picLocks noChangeAspect="1" noChangeArrowheads="1"/>
+          </p:cNvPicPr>
+          <p:nvPr/>
+        </p:nvPicPr>
+        <p:blipFill>
+          <a:blip r:embed="rId3">
+            <a:extLst>
+              <a:ext uri="{28A0092B-C50C-407E-A947-70E740481C1C}">
+                <a14:useLocalDpi xmlns:a14="http://schemas.microsoft.com/office/drawing/2010/main" val="0"/>
+              </a:ext>
+            </a:extLst>
+          </a:blip>
+          <a:srcRect/>
+          <a:stretch>
+            <a:fillRect/>
+          </a:stretch>
+        </p:blipFill>
+        <p:spPr bwMode="auto">
+          <a:xfrm>
+            <a:off x="1135760" y="2562272"/>
+            <a:ext cx="6858000" cy="2676525"/>
+          </a:xfrm>
+          <a:prstGeom prst="rect">
+            <a:avLst/>
+          </a:prstGeom>
+          <a:noFill/>
+          <a:extLst>
+            <a:ext uri="{909E8E84-426E-40DD-AFC4-6F175D3DCCD1}">
+              <a14:hiddenFill xmlns:a14="http://schemas.microsoft.com/office/drawing/2010/main">
+                <a:solidFill>
+                  <a:srgbClr val="FFFFFF"/>
+                </a:solidFill>
+              </a14:hiddenFill>
+            </a:ext>
+          </a:extLst>
+        </p:spPr>
+      </p:pic>
+    </p:spTree>
+    <p:extLst>
+      <p:ext uri="{BB962C8B-B14F-4D97-AF65-F5344CB8AC3E}">
+        <p14:creationId xmlns:p14="http://schemas.microsoft.com/office/powerpoint/2010/main" val="4165693629"/>
+      </p:ext>
+    </p:extLst>
+  </p:cSld>
+  <p:clrMapOvr>
+    <a:masterClrMapping/>
+  </p:clrMapOvr>
+</p:sld>
+</file>
+
+<file path=ppt/slides/slide5.xml><?xml version="1.0" encoding="utf-8"?>
+<p:sld xmlns:a="http://schemas.openxmlformats.org/drawingml/2006/main" xmlns:r="http://schemas.openxmlformats.org/officeDocument/2006/relationships" xmlns:p="http://schemas.openxmlformats.org/presentationml/2006/main">
+  <p:cSld>
+    <p:spTree>
+      <p:nvGrpSpPr>
+        <p:cNvPr id="1" name=""/>
+        <p:cNvGrpSpPr/>
+        <p:nvPr/>
+      </p:nvGrpSpPr>
+      <p:grpSpPr>
+        <a:xfrm>
+          <a:off x="0" y="0"/>
+          <a:ext cx="0" cy="0"/>
+          <a:chOff x="0" y="0"/>
+          <a:chExt cx="0" cy="0"/>
+        </a:xfrm>
+      </p:grpSpPr>
+      <p:sp>
+        <p:nvSpPr>
+          <p:cNvPr id="2" name="Title 1"/>
+          <p:cNvSpPr>
+            <a:spLocks noGrp="1"/>
+          </p:cNvSpPr>
+          <p:nvPr>
+            <p:ph type="title"/>
+          </p:nvPr>
+        </p:nvSpPr>
+        <p:spPr/>
+        <p:txBody>
+          <a:bodyPr/>
+          <a:lstStyle/>
+          <a:p>
+            <a:r>
+              <a:rPr lang="zh-CN" altLang="en-US" dirty="0" smtClean="0"/>
+              <a:t>权重</a:t>
+            </a:r>
+            <a:r>
+              <a:rPr lang="en-US" dirty="0" err="1"/>
+              <a:t>a</a:t>
+            </a:r>
+            <a:r>
+              <a:rPr lang="en-US" baseline="-25000" dirty="0" err="1"/>
+              <a:t>ij</a:t>
+            </a:r>
+            <a:r>
+              <a:rPr lang="en-US" dirty="0"/>
+              <a:t> </a:t>
+            </a:r>
+            <a:r>
+              <a:rPr lang="zh-CN" altLang="en-US" dirty="0" smtClean="0"/>
+              <a:t>的来源</a:t>
+            </a:r>
+            <a:endParaRPr lang="en-US" dirty="0"/>
+          </a:p>
+        </p:txBody>
+      </p:sp>
+      <p:sp>
+        <p:nvSpPr>
+          <p:cNvPr id="3" name="Content Placeholder 2"/>
+          <p:cNvSpPr>
+            <a:spLocks noGrp="1"/>
+          </p:cNvSpPr>
+          <p:nvPr>
+            <p:ph idx="1"/>
+          </p:nvPr>
+        </p:nvSpPr>
+        <p:spPr/>
+        <p:txBody>
+          <a:bodyPr/>
+          <a:lstStyle/>
+          <a:p>
+            <a:r>
+              <a:rPr lang="en-US" altLang="zh-CN" dirty="0" err="1"/>
+              <a:t>a</a:t>
+            </a:r>
+            <a:r>
+              <a:rPr lang="en-US" altLang="zh-CN" baseline="-25000" dirty="0" err="1" smtClean="0"/>
+              <a:t>ij</a:t>
+            </a:r>
+            <a:r>
+              <a:rPr lang="en-US" altLang="zh-CN" baseline="-25000" dirty="0" smtClean="0"/>
+              <a:t> </a:t>
+            </a:r>
+            <a:r>
+              <a:rPr lang="zh-CN" altLang="en-US" dirty="0" smtClean="0"/>
+              <a:t>同</a:t>
+            </a:r>
+            <a:r>
+              <a:rPr lang="zh-CN" altLang="en-US" dirty="0"/>
+              <a:t>样是从模型中学出</a:t>
+            </a:r>
+            <a:r>
+              <a:rPr lang="zh-CN" altLang="en-US" dirty="0" smtClean="0"/>
+              <a:t>的 </a:t>
+            </a:r>
+            <a:endParaRPr lang="en-US" dirty="0"/>
+          </a:p>
+        </p:txBody>
+      </p:sp>
+      <p:pic>
+        <p:nvPicPr>
+          <p:cNvPr id="3074" name="Picture 2" descr="https://pic1.zhimg.com/50/v2-5561fa61321f31113043fb9711ee3263_hd.jpg"/>
+          <p:cNvPicPr>
+            <a:picLocks noChangeAspect="1" noChangeArrowheads="1"/>
+          </p:cNvPicPr>
+          <p:nvPr/>
+        </p:nvPicPr>
+        <p:blipFill>
+          <a:blip r:embed="rId3">
+            <a:extLst>
+              <a:ext uri="{28A0092B-C50C-407E-A947-70E740481C1C}">
+                <a14:useLocalDpi xmlns:a14="http://schemas.microsoft.com/office/drawing/2010/main" val="0"/>
+              </a:ext>
+            </a:extLst>
+          </a:blip>
+          <a:srcRect/>
+          <a:stretch>
+            <a:fillRect/>
+          </a:stretch>
+        </p:blipFill>
+        <p:spPr bwMode="auto">
+          <a:xfrm>
+            <a:off x="287143" y="2607531"/>
+            <a:ext cx="3429000" cy="2790825"/>
+          </a:xfrm>
+          <a:prstGeom prst="rect">
+            <a:avLst/>
+          </a:prstGeom>
+          <a:noFill/>
+          <a:extLst>
+            <a:ext uri="{909E8E84-426E-40DD-AFC4-6F175D3DCCD1}">
+              <a14:hiddenFill xmlns:a14="http://schemas.microsoft.com/office/drawing/2010/main">
+                <a:solidFill>
+                  <a:srgbClr val="FFFFFF"/>
+                </a:solidFill>
+              </a14:hiddenFill>
+            </a:ext>
+          </a:extLst>
+        </p:spPr>
+      </p:pic>
+      <p:pic>
+        <p:nvPicPr>
+          <p:cNvPr id="3076" name="Picture 4" descr="https://pic4.zhimg.com/50/v2-50473aa7b1c20d680abf8ca36d82c9e4_hd.jpg"/>
+          <p:cNvPicPr>
+            <a:picLocks noChangeAspect="1" noChangeArrowheads="1"/>
+          </p:cNvPicPr>
+          <p:nvPr/>
+        </p:nvPicPr>
+        <p:blipFill>
+          <a:blip r:embed="rId4">
+            <a:extLst>
+              <a:ext uri="{28A0092B-C50C-407E-A947-70E740481C1C}">
+                <a14:useLocalDpi xmlns:a14="http://schemas.microsoft.com/office/drawing/2010/main" val="0"/>
+              </a:ext>
+            </a:extLst>
+          </a:blip>
+          <a:srcRect/>
+          <a:stretch>
+            <a:fillRect/>
+          </a:stretch>
+        </p:blipFill>
+        <p:spPr bwMode="auto">
+          <a:xfrm>
+            <a:off x="4456332" y="2607531"/>
+            <a:ext cx="3429000" cy="3057525"/>
+          </a:xfrm>
+          <a:prstGeom prst="rect">
+            <a:avLst/>
+          </a:prstGeom>
+          <a:noFill/>
+          <a:extLst>
+            <a:ext uri="{909E8E84-426E-40DD-AFC4-6F175D3DCCD1}">
+              <a14:hiddenFill xmlns:a14="http://schemas.microsoft.com/office/drawing/2010/main">
+                <a:solidFill>
+                  <a:srgbClr val="FFFFFF"/>
+                </a:solidFill>
+              </a14:hiddenFill>
+            </a:ext>
+          </a:extLst>
+        </p:spPr>
+      </p:pic>
+      <p:pic>
+        <p:nvPicPr>
+          <p:cNvPr id="3078" name="Picture 6" descr="https://pic3.zhimg.com/50/v2-07f7411c77901a7bd913e55884057a63_hd.jpg"/>
+          <p:cNvPicPr>
+            <a:picLocks noChangeAspect="1" noChangeArrowheads="1"/>
+          </p:cNvPicPr>
+          <p:nvPr/>
+        </p:nvPicPr>
+        <p:blipFill>
+          <a:blip r:embed="rId5">
+            <a:extLst>
+              <a:ext uri="{28A0092B-C50C-407E-A947-70E740481C1C}">
+                <a14:useLocalDpi xmlns:a14="http://schemas.microsoft.com/office/drawing/2010/main" val="0"/>
+              </a:ext>
+            </a:extLst>
+          </a:blip>
+          <a:srcRect/>
+          <a:stretch>
+            <a:fillRect/>
+          </a:stretch>
+        </p:blipFill>
+        <p:spPr bwMode="auto">
+          <a:xfrm>
+            <a:off x="8497018" y="2607531"/>
+            <a:ext cx="3429000" cy="3033713"/>
+          </a:xfrm>
+          <a:prstGeom prst="rect">
+            <a:avLst/>
+          </a:prstGeom>
+          <a:noFill/>
+          <a:extLst>
+            <a:ext uri="{909E8E84-426E-40DD-AFC4-6F175D3DCCD1}">
+              <a14:hiddenFill xmlns:a14="http://schemas.microsoft.com/office/drawing/2010/main">
+                <a:solidFill>
+                  <a:srgbClr val="FFFFFF"/>
+                </a:solidFill>
+              </a14:hiddenFill>
+            </a:ext>
+          </a:extLst>
+        </p:spPr>
+      </p:pic>
+    </p:spTree>
+    <p:extLst>
+      <p:ext uri="{BB962C8B-B14F-4D97-AF65-F5344CB8AC3E}">
+        <p14:creationId xmlns:p14="http://schemas.microsoft.com/office/powerpoint/2010/main" val="1808071094"/>
+      </p:ext>
+    </p:extLst>
+  </p:cSld>
+  <p:clrMapOvr>
+    <a:masterClrMapping/>
+  </p:clrMapOvr>
+</p:sld>
+</file>
+
+<file path=ppt/slides/slide6.xml><?xml version="1.0" encoding="utf-8"?>
+<p:sld xmlns:a="http://schemas.openxmlformats.org/drawingml/2006/main" xmlns:r="http://schemas.openxmlformats.org/officeDocument/2006/relationships" xmlns:p="http://schemas.openxmlformats.org/presentationml/2006/main">
+  <p:cSld>
+    <p:spTree>
+      <p:nvGrpSpPr>
+        <p:cNvPr id="1" name=""/>
+        <p:cNvGrpSpPr/>
+        <p:nvPr/>
+      </p:nvGrpSpPr>
+      <p:grpSpPr>
+        <a:xfrm>
+          <a:off x="0" y="0"/>
+          <a:ext cx="0" cy="0"/>
+          <a:chOff x="0" y="0"/>
+          <a:chExt cx="0" cy="0"/>
+        </a:xfrm>
+      </p:grpSpPr>
+      <p:sp>
+        <p:nvSpPr>
+          <p:cNvPr id="2" name="Title 1"/>
+          <p:cNvSpPr>
+            <a:spLocks noGrp="1"/>
+          </p:cNvSpPr>
+          <p:nvPr>
+            <p:ph type="title"/>
+          </p:nvPr>
+        </p:nvSpPr>
+        <p:spPr/>
+        <p:txBody>
+          <a:bodyPr/>
+          <a:lstStyle/>
+          <a:p>
+            <a:r>
+              <a:rPr lang="zh-CN" altLang="en-US" dirty="0" smtClean="0"/>
+              <a:t>效果</a:t>
+            </a:r>
+            <a:endParaRPr lang="en-US" dirty="0"/>
+          </a:p>
+        </p:txBody>
+      </p:sp>
+      <p:sp>
+        <p:nvSpPr>
+          <p:cNvPr id="3" name="Content Placeholder 2"/>
+          <p:cNvSpPr>
+            <a:spLocks noGrp="1"/>
+          </p:cNvSpPr>
+          <p:nvPr>
+            <p:ph idx="1"/>
+          </p:nvPr>
+        </p:nvSpPr>
+        <p:spPr/>
+        <p:txBody>
+          <a:bodyPr/>
+          <a:lstStyle/>
+          <a:p>
+            <a:r>
+              <a:rPr lang="en-US" altLang="zh-CN" dirty="0" err="1" smtClean="0"/>
+              <a:t>RNNenc</a:t>
+            </a:r>
+            <a:r>
+              <a:rPr lang="en-US" altLang="zh-CN" dirty="0" smtClean="0"/>
+              <a:t> – </a:t>
+            </a:r>
+            <a:r>
+              <a:rPr lang="zh-CN" altLang="en-US" dirty="0" smtClean="0"/>
+              <a:t>传统模型</a:t>
+            </a:r>
+            <a:endParaRPr lang="en-US" altLang="zh-CN" dirty="0" smtClean="0"/>
+          </a:p>
+          <a:p>
+            <a:r>
+              <a:rPr lang="en-US" altLang="zh-CN" dirty="0" err="1" smtClean="0"/>
+              <a:t>RNNsearch</a:t>
+            </a:r>
+            <a:r>
+              <a:rPr lang="en-US" altLang="zh-CN" dirty="0"/>
+              <a:t> </a:t>
+            </a:r>
+            <a:r>
+              <a:rPr lang="en-US" altLang="zh-CN" dirty="0" smtClean="0"/>
+              <a:t>– </a:t>
+            </a:r>
+            <a:r>
+              <a:rPr lang="zh-CN" altLang="en-US" dirty="0" smtClean="0"/>
+              <a:t>注意力机制</a:t>
+            </a:r>
+            <a:endParaRPr lang="en-US" dirty="0"/>
+          </a:p>
+        </p:txBody>
+      </p:sp>
+      <p:pic>
+        <p:nvPicPr>
+          <p:cNvPr id="4" name="Picture 3"/>
+          <p:cNvPicPr>
+            <a:picLocks noChangeAspect="1"/>
+          </p:cNvPicPr>
+          <p:nvPr/>
+        </p:nvPicPr>
+        <p:blipFill>
+          <a:blip r:embed="rId3"/>
+          <a:stretch>
+            <a:fillRect/>
+          </a:stretch>
+        </p:blipFill>
+        <p:spPr>
+          <a:xfrm>
+            <a:off x="650714" y="2997200"/>
+            <a:ext cx="5943600" cy="3314700"/>
+          </a:xfrm>
+          <a:prstGeom prst="rect">
+            <a:avLst/>
+          </a:prstGeom>
+        </p:spPr>
+      </p:pic>
+      <p:pic>
+        <p:nvPicPr>
+          <p:cNvPr id="5" name="Picture 4"/>
+          <p:cNvPicPr>
+            <a:picLocks noChangeAspect="1"/>
+          </p:cNvPicPr>
+          <p:nvPr/>
+        </p:nvPicPr>
+        <p:blipFill>
+          <a:blip r:embed="rId4"/>
+          <a:stretch>
+            <a:fillRect/>
+          </a:stretch>
+        </p:blipFill>
+        <p:spPr>
+          <a:xfrm>
+            <a:off x="6844192" y="1027906"/>
+            <a:ext cx="4614863" cy="4914900"/>
+          </a:xfrm>
+          <a:prstGeom prst="rect">
+            <a:avLst/>
+          </a:prstGeom>
+        </p:spPr>
+      </p:pic>
+      <p:sp>
+        <p:nvSpPr>
+          <p:cNvPr id="6" name="Rectangle 5"/>
+          <p:cNvSpPr/>
+          <p:nvPr/>
+        </p:nvSpPr>
+        <p:spPr>
+          <a:xfrm>
+            <a:off x="8240872" y="6420921"/>
+            <a:ext cx="3564887" cy="369332"/>
+          </a:xfrm>
+          <a:prstGeom prst="rect">
+            <a:avLst/>
+          </a:prstGeom>
+        </p:spPr>
+        <p:txBody>
+          <a:bodyPr wrap="none">
+            <a:spAutoFit/>
+          </a:bodyPr>
+          <a:lstStyle/>
+          <a:p>
+            <a:r>
+              <a:rPr lang="en-US" dirty="0">
+                <a:solidFill>
+                  <a:srgbClr val="0070C0"/>
+                </a:solidFill>
+              </a:rPr>
+              <a:t>https://arxiv.org/pdf/1409.0473.pdf</a:t>
+            </a:r>
+          </a:p>
+        </p:txBody>
+      </p:sp>
+      <p:sp>
+        <p:nvSpPr>
+          <p:cNvPr id="7" name="TextBox 6"/>
+          <p:cNvSpPr txBox="1"/>
+          <p:nvPr/>
+        </p:nvSpPr>
+        <p:spPr>
+          <a:xfrm>
+            <a:off x="7403274" y="5963351"/>
+            <a:ext cx="4060086" cy="461665"/>
+          </a:xfrm>
+          <a:prstGeom prst="rect">
+            <a:avLst/>
+          </a:prstGeom>
+          <a:noFill/>
+        </p:spPr>
+        <p:txBody>
+          <a:bodyPr wrap="none" rtlCol="0">
+            <a:spAutoFit/>
+          </a:bodyPr>
+          <a:lstStyle/>
+          <a:p>
+            <a:r>
+              <a:rPr lang="en-US" altLang="zh-CN" sz="1200" dirty="0" smtClean="0"/>
+              <a:t>RNNsearch-50 </a:t>
+            </a:r>
+            <a:r>
+              <a:rPr lang="zh-CN" altLang="en-US" sz="1200" dirty="0" smtClean="0"/>
+              <a:t>训练出来权</a:t>
+            </a:r>
+            <a:r>
+              <a:rPr lang="zh-CN" altLang="en-US" sz="1200" dirty="0"/>
+              <a:t>重</a:t>
+            </a:r>
+            <a:r>
+              <a:rPr lang="en-US" altLang="zh-CN" sz="1200" dirty="0" err="1"/>
+              <a:t>a</a:t>
+            </a:r>
+            <a:r>
+              <a:rPr lang="en-US" altLang="zh-CN" sz="1200" baseline="-25000" dirty="0" err="1"/>
+              <a:t>ij</a:t>
+            </a:r>
+            <a:r>
+              <a:rPr lang="en-US" altLang="zh-CN" sz="1200" dirty="0"/>
+              <a:t> </a:t>
+            </a:r>
+            <a:r>
+              <a:rPr lang="zh-CN" altLang="en-US" sz="1200" dirty="0" smtClean="0"/>
+              <a:t>的可视化效果 </a:t>
+            </a:r>
+            <a:r>
+              <a:rPr lang="en-US" altLang="zh-CN" sz="1200" dirty="0" smtClean="0"/>
+              <a:t>(0: </a:t>
+            </a:r>
+            <a:r>
+              <a:rPr lang="zh-CN" altLang="en-US" sz="1200" dirty="0" smtClean="0"/>
+              <a:t>黑，</a:t>
+            </a:r>
+            <a:r>
+              <a:rPr lang="en-US" altLang="zh-CN" sz="1200" dirty="0" smtClean="0"/>
+              <a:t>1: </a:t>
+            </a:r>
+            <a:r>
+              <a:rPr lang="zh-CN" altLang="en-US" sz="1200" dirty="0" smtClean="0"/>
+              <a:t>白</a:t>
+            </a:r>
+            <a:r>
+              <a:rPr lang="en-US" altLang="zh-CN" sz="1200" dirty="0" smtClean="0"/>
+              <a:t>).</a:t>
+            </a:r>
+          </a:p>
+          <a:p>
+            <a:r>
+              <a:rPr lang="en-US" altLang="zh-CN" sz="1200" dirty="0" smtClean="0"/>
+              <a:t>(a-d) </a:t>
+            </a:r>
+            <a:r>
+              <a:rPr lang="zh-CN" altLang="en-US" sz="1200" dirty="0" smtClean="0"/>
+              <a:t>随机选择的长度</a:t>
+            </a:r>
+            <a:r>
+              <a:rPr lang="en-US" altLang="zh-CN" sz="1200" dirty="0" smtClean="0"/>
+              <a:t>10-20</a:t>
+            </a:r>
+            <a:r>
+              <a:rPr lang="zh-CN" altLang="en-US" sz="1200" dirty="0" smtClean="0"/>
+              <a:t>词的测试样本。</a:t>
+            </a:r>
+            <a:endParaRPr lang="en-US" altLang="zh-CN" sz="1200" dirty="0" smtClean="0"/>
+          </a:p>
+        </p:txBody>
+      </p:sp>
+      <p:sp>
+        <p:nvSpPr>
+          <p:cNvPr id="8" name="TextBox 7"/>
+          <p:cNvSpPr txBox="1"/>
+          <p:nvPr/>
+        </p:nvSpPr>
+        <p:spPr>
+          <a:xfrm>
+            <a:off x="908665" y="6291450"/>
+            <a:ext cx="5657318" cy="276999"/>
+          </a:xfrm>
+          <a:prstGeom prst="rect">
+            <a:avLst/>
+          </a:prstGeom>
+          <a:noFill/>
+        </p:spPr>
+        <p:txBody>
+          <a:bodyPr wrap="none" rtlCol="0">
+            <a:spAutoFit/>
+          </a:bodyPr>
+          <a:lstStyle/>
+          <a:p>
+            <a:r>
+              <a:rPr lang="zh-CN" altLang="en-US" sz="1200" dirty="0" smtClean="0"/>
+              <a:t>根据测试样本生成法文翻译，根据</a:t>
+            </a:r>
+            <a:r>
+              <a:rPr lang="en-US" altLang="zh-CN" sz="1200" dirty="0" smtClean="0"/>
+              <a:t>NMT</a:t>
+            </a:r>
+            <a:r>
+              <a:rPr lang="zh-CN" altLang="en-US" sz="1200" dirty="0" smtClean="0"/>
+              <a:t>翻译模型</a:t>
+            </a:r>
+            <a:r>
+              <a:rPr lang="en-US" altLang="zh-CN" sz="1200" dirty="0" smtClean="0"/>
+              <a:t>, BLEU</a:t>
+            </a:r>
+            <a:r>
+              <a:rPr lang="zh-CN" altLang="en-US" sz="1200" dirty="0" smtClean="0"/>
+              <a:t>评分和法文句子长度作图。</a:t>
+            </a:r>
+            <a:endParaRPr lang="en-US" altLang="zh-CN" sz="1200" dirty="0" smtClean="0"/>
+          </a:p>
+        </p:txBody>
+      </p:sp>
+      <p:sp>
+        <p:nvSpPr>
+          <p:cNvPr id="9" name="TextBox 8"/>
+          <p:cNvSpPr txBox="1"/>
+          <p:nvPr/>
+        </p:nvSpPr>
+        <p:spPr>
+          <a:xfrm>
+            <a:off x="1240270" y="2862263"/>
+            <a:ext cx="3604448" cy="307777"/>
+          </a:xfrm>
+          <a:prstGeom prst="rect">
+            <a:avLst/>
+          </a:prstGeom>
+          <a:noFill/>
+        </p:spPr>
+        <p:txBody>
+          <a:bodyPr wrap="none" rtlCol="0">
+            <a:spAutoFit/>
+          </a:bodyPr>
+          <a:lstStyle/>
+          <a:p>
+            <a:r>
+              <a:rPr lang="en-US" altLang="zh-CN" sz="1400" dirty="0" smtClean="0"/>
+              <a:t>RNNsearch-50 </a:t>
+            </a:r>
+            <a:r>
+              <a:rPr lang="zh-CN" altLang="en-US" sz="1400" dirty="0" smtClean="0"/>
+              <a:t>是以最长</a:t>
+            </a:r>
+            <a:r>
+              <a:rPr lang="en-US" altLang="zh-CN" sz="1400" dirty="0" smtClean="0"/>
+              <a:t>50</a:t>
+            </a:r>
+            <a:r>
+              <a:rPr lang="zh-CN" altLang="en-US" sz="1400" dirty="0" smtClean="0"/>
+              <a:t>词的样本进行训练</a:t>
+            </a:r>
+            <a:endParaRPr lang="en-US" sz="1400" dirty="0"/>
+          </a:p>
+        </p:txBody>
+      </p:sp>
+    </p:spTree>
+    <p:extLst>
+      <p:ext uri="{BB962C8B-B14F-4D97-AF65-F5344CB8AC3E}">
+        <p14:creationId xmlns:p14="http://schemas.microsoft.com/office/powerpoint/2010/main" val="994977867"/>
+      </p:ext>
+    </p:extLst>
+  </p:cSld>
+  <p:clrMapOvr>
+    <a:masterClrMapping/>
+  </p:clrMapOvr>
+</p:sld>
+</file>
+
+<file path=ppt/slides/slide7.xml><?xml version="1.0" encoding="utf-8"?>
+<p:sld xmlns:a="http://schemas.openxmlformats.org/drawingml/2006/main" xmlns:r="http://schemas.openxmlformats.org/officeDocument/2006/relationships" xmlns:p="http://schemas.openxmlformats.org/presentationml/2006/main">
+  <p:cSld>
+    <p:spTree>
+      <p:nvGrpSpPr>
+        <p:cNvPr id="1" name=""/>
+        <p:cNvGrpSpPr/>
+        <p:nvPr/>
+      </p:nvGrpSpPr>
+      <p:grpSpPr>
+        <a:xfrm>
+          <a:off x="0" y="0"/>
+          <a:ext cx="0" cy="0"/>
+          <a:chOff x="0" y="0"/>
+          <a:chExt cx="0" cy="0"/>
+        </a:xfrm>
+      </p:grpSpPr>
+      <p:sp>
+        <p:nvSpPr>
+          <p:cNvPr id="2" name="Title 1"/>
+          <p:cNvSpPr>
+            <a:spLocks noGrp="1"/>
+          </p:cNvSpPr>
+          <p:nvPr>
+            <p:ph type="title"/>
+          </p:nvPr>
+        </p:nvSpPr>
+        <p:spPr/>
+        <p:txBody>
+          <a:bodyPr/>
+          <a:lstStyle/>
+          <a:p>
+            <a:r>
+              <a:rPr lang="en-US" altLang="zh-CN" dirty="0"/>
+              <a:t>BLEU </a:t>
+            </a:r>
+            <a:r>
+              <a:rPr lang="en-US" altLang="zh-CN" sz="3200" dirty="0"/>
+              <a:t>(Bilingual Evaluation </a:t>
+            </a:r>
+            <a:r>
+              <a:rPr lang="en-US" altLang="zh-CN" sz="3200" dirty="0" smtClean="0"/>
+              <a:t>Understudy - </a:t>
+            </a:r>
+            <a:r>
+              <a:rPr lang="zh-CN" altLang="en-US" sz="3200" dirty="0" smtClean="0"/>
+              <a:t>双</a:t>
+            </a:r>
+            <a:r>
+              <a:rPr lang="zh-CN" altLang="en-US" sz="3200" dirty="0"/>
+              <a:t>语评估考试</a:t>
+            </a:r>
+            <a:r>
+              <a:rPr lang="en-US" altLang="zh-CN" sz="3200" dirty="0" smtClean="0"/>
+              <a:t>)</a:t>
+            </a:r>
+            <a:endParaRPr lang="en-US" sz="3200" dirty="0"/>
+          </a:p>
+        </p:txBody>
+      </p:sp>
+      <p:sp>
+        <p:nvSpPr>
+          <p:cNvPr id="3" name="Content Placeholder 2"/>
+          <p:cNvSpPr>
+            <a:spLocks noGrp="1"/>
+          </p:cNvSpPr>
+          <p:nvPr>
+            <p:ph idx="1"/>
+          </p:nvPr>
+        </p:nvSpPr>
+        <p:spPr/>
+        <p:txBody>
+          <a:bodyPr>
+            <a:normAutofit fontScale="62500" lnSpcReduction="20000"/>
+          </a:bodyPr>
+          <a:lstStyle/>
+          <a:p>
+            <a:r>
+              <a:rPr lang="zh-CN" altLang="en-US" dirty="0" smtClean="0"/>
+              <a:t>一</a:t>
+            </a:r>
+            <a:r>
+              <a:rPr lang="zh-CN" altLang="en-US" dirty="0"/>
+              <a:t>个比较文本候选翻译与一个或多个参考翻译的分数</a:t>
+            </a:r>
+            <a:r>
+              <a:rPr lang="zh-CN" altLang="en-US" dirty="0" smtClean="0"/>
+              <a:t>。</a:t>
+            </a:r>
+            <a:endParaRPr lang="en-US" altLang="zh-CN" dirty="0" smtClean="0"/>
+          </a:p>
+          <a:p>
+            <a:pPr lvl="1"/>
+            <a:r>
+              <a:rPr lang="zh-CN" altLang="en-US" dirty="0"/>
+              <a:t>完美匹配得分为</a:t>
+            </a:r>
+            <a:r>
+              <a:rPr lang="en-US" altLang="zh-CN" sz="3500" b="1" dirty="0">
+                <a:solidFill>
+                  <a:schemeClr val="accent6">
+                    <a:lumMod val="50000"/>
+                  </a:schemeClr>
+                </a:solidFill>
+              </a:rPr>
+              <a:t>1.0</a:t>
+            </a:r>
+            <a:r>
+              <a:rPr lang="zh-CN" altLang="en-US" dirty="0"/>
+              <a:t>，而完美的不匹配则得分为</a:t>
+            </a:r>
+            <a:r>
+              <a:rPr lang="en-US" altLang="zh-CN" b="1" dirty="0">
+                <a:solidFill>
+                  <a:srgbClr val="FF0000"/>
+                </a:solidFill>
+              </a:rPr>
+              <a:t>0.0</a:t>
+            </a:r>
+            <a:r>
+              <a:rPr lang="zh-CN" altLang="en-US" dirty="0" smtClean="0"/>
+              <a:t>。</a:t>
+            </a:r>
+            <a:endParaRPr lang="en-US" altLang="zh-CN" dirty="0" smtClean="0"/>
+          </a:p>
+          <a:p>
+            <a:pPr lvl="1"/>
+            <a:r>
+              <a:rPr lang="zh-CN" altLang="en-US" dirty="0"/>
+              <a:t>好处：</a:t>
+            </a:r>
+            <a:endParaRPr lang="en-US" altLang="zh-CN" dirty="0"/>
+          </a:p>
+          <a:p>
+            <a:pPr lvl="2"/>
+            <a:r>
+              <a:rPr lang="zh-CN" altLang="en-US" dirty="0"/>
+              <a:t>计算速度快，成本低廉</a:t>
+            </a:r>
+          </a:p>
+          <a:p>
+            <a:pPr lvl="2"/>
+            <a:r>
+              <a:rPr lang="zh-CN" altLang="en-US" dirty="0"/>
+              <a:t>容易理解</a:t>
+            </a:r>
+          </a:p>
+          <a:p>
+            <a:pPr lvl="2"/>
+            <a:r>
+              <a:rPr lang="zh-CN" altLang="en-US" dirty="0"/>
+              <a:t>独立于语言</a:t>
+            </a:r>
+          </a:p>
+          <a:p>
+            <a:pPr lvl="2"/>
+            <a:r>
+              <a:rPr lang="zh-CN" altLang="en-US" dirty="0"/>
+              <a:t>它与人的评价高度相关</a:t>
+            </a:r>
+          </a:p>
+          <a:p>
+            <a:pPr lvl="2"/>
+            <a:r>
+              <a:rPr lang="zh-CN" altLang="en-US" dirty="0"/>
+              <a:t>它被广泛采用</a:t>
+            </a:r>
+            <a:endParaRPr lang="en-US" altLang="zh-CN" dirty="0"/>
+          </a:p>
+          <a:p>
+            <a:endParaRPr lang="en-US" altLang="zh-CN" dirty="0" smtClean="0"/>
+          </a:p>
+          <a:p>
+            <a:r>
+              <a:rPr lang="zh-CN" altLang="en-US" dirty="0" smtClean="0"/>
+              <a:t>尽</a:t>
+            </a:r>
+            <a:r>
+              <a:rPr lang="zh-CN" altLang="en-US" dirty="0"/>
+              <a:t>管为翻译开发，它可以用来评估为一套自然语言处理任务生成的文本</a:t>
+            </a:r>
+            <a:r>
+              <a:rPr lang="zh-CN" altLang="en-US" dirty="0" smtClean="0"/>
+              <a:t>。</a:t>
+            </a:r>
+            <a:endParaRPr lang="en-US" altLang="zh-CN" dirty="0" smtClean="0"/>
+          </a:p>
+          <a:p>
+            <a:pPr lvl="1"/>
+            <a:r>
+              <a:rPr lang="zh-CN" altLang="en-US" dirty="0"/>
+              <a:t>更</a:t>
+            </a:r>
+            <a:r>
+              <a:rPr lang="zh-CN" altLang="en-US" dirty="0" smtClean="0"/>
+              <a:t>多场景：</a:t>
+            </a:r>
+            <a:endParaRPr lang="en-US" altLang="zh-CN" dirty="0" smtClean="0"/>
+          </a:p>
+          <a:p>
+            <a:pPr lvl="2"/>
+            <a:r>
+              <a:rPr lang="zh-CN" altLang="en-US" dirty="0"/>
+              <a:t>语言生</a:t>
+            </a:r>
+            <a:r>
+              <a:rPr lang="zh-CN" altLang="en-US" dirty="0" smtClean="0"/>
+              <a:t>成</a:t>
+            </a:r>
+            <a:endParaRPr lang="zh-CN" altLang="en-US" dirty="0"/>
+          </a:p>
+          <a:p>
+            <a:pPr lvl="2"/>
+            <a:r>
+              <a:rPr lang="zh-CN" altLang="en-US" dirty="0"/>
+              <a:t>图像标题生</a:t>
+            </a:r>
+            <a:r>
+              <a:rPr lang="zh-CN" altLang="en-US" dirty="0" smtClean="0"/>
+              <a:t>成</a:t>
+            </a:r>
+            <a:endParaRPr lang="zh-CN" altLang="en-US" dirty="0"/>
+          </a:p>
+          <a:p>
+            <a:pPr lvl="2"/>
+            <a:r>
+              <a:rPr lang="zh-CN" altLang="en-US" dirty="0"/>
+              <a:t>文字摘</a:t>
+            </a:r>
+            <a:r>
+              <a:rPr lang="zh-CN" altLang="en-US" dirty="0" smtClean="0"/>
+              <a:t>要</a:t>
+            </a:r>
+            <a:endParaRPr lang="zh-CN" altLang="en-US" dirty="0"/>
+          </a:p>
+          <a:p>
+            <a:pPr lvl="2"/>
+            <a:r>
+              <a:rPr lang="zh-CN" altLang="en-US" dirty="0"/>
+              <a:t>语音识</a:t>
+            </a:r>
+            <a:r>
+              <a:rPr lang="zh-CN" altLang="en-US" dirty="0" smtClean="0"/>
+              <a:t>别</a:t>
+            </a:r>
+            <a:endParaRPr lang="en-US" altLang="zh-CN" dirty="0" smtClean="0"/>
+          </a:p>
+          <a:p>
+            <a:endParaRPr lang="en-US" altLang="zh-CN" dirty="0" smtClean="0"/>
+          </a:p>
+          <a:p>
+            <a:r>
+              <a:rPr lang="en-US" altLang="zh-CN" dirty="0" smtClean="0"/>
+              <a:t>NLTK</a:t>
+            </a:r>
+            <a:r>
+              <a:rPr lang="zh-CN" altLang="en-US" dirty="0" smtClean="0"/>
+              <a:t>库支持对候</a:t>
+            </a:r>
+            <a:r>
+              <a:rPr lang="zh-CN" altLang="en-US" dirty="0"/>
+              <a:t>选文</a:t>
+            </a:r>
+            <a:r>
+              <a:rPr lang="zh-CN" altLang="en-US" dirty="0" smtClean="0"/>
+              <a:t>本进行</a:t>
+            </a:r>
+            <a:r>
+              <a:rPr lang="en-US" altLang="zh-CN" dirty="0" smtClean="0"/>
+              <a:t>BLEU</a:t>
+            </a:r>
+            <a:r>
+              <a:rPr lang="zh-CN" altLang="en-US" dirty="0"/>
+              <a:t>评</a:t>
+            </a:r>
+            <a:r>
+              <a:rPr lang="zh-CN" altLang="en-US" dirty="0" smtClean="0"/>
+              <a:t>分 </a:t>
+            </a:r>
+            <a:r>
+              <a:rPr lang="en-US" altLang="zh-CN" dirty="0" smtClean="0"/>
+              <a:t>- DEMO</a:t>
+            </a:r>
+            <a:endParaRPr lang="en-US" dirty="0"/>
+          </a:p>
+        </p:txBody>
+      </p:sp>
+    </p:spTree>
+    <p:extLst>
+      <p:ext uri="{BB962C8B-B14F-4D97-AF65-F5344CB8AC3E}">
+        <p14:creationId xmlns:p14="http://schemas.microsoft.com/office/powerpoint/2010/main" val="294912813"/>
+      </p:ext>
+    </p:extLst>
+  </p:cSld>
+  <p:clrMapOvr>
+    <a:masterClrMapping/>
+  </p:clrMapOvr>
+</p:sld>
+</file>
+
+<file path=ppt/slides/slide8.xml><?xml version="1.0" encoding="utf-8"?>
+<p:sld xmlns:a="http://schemas.openxmlformats.org/drawingml/2006/main" xmlns:r="http://schemas.openxmlformats.org/officeDocument/2006/relationships" xmlns:p="http://schemas.openxmlformats.org/presentationml/2006/main">
+  <p:cSld>
+    <p:spTree>
+      <p:nvGrpSpPr>
+        <p:cNvPr id="1" name=""/>
+        <p:cNvGrpSpPr/>
+        <p:nvPr/>
+      </p:nvGrpSpPr>
+      <p:grpSpPr>
+        <a:xfrm>
+          <a:off x="0" y="0"/>
+          <a:ext cx="0" cy="0"/>
+          <a:chOff x="0" y="0"/>
+          <a:chExt cx="0" cy="0"/>
+        </a:xfrm>
+      </p:grpSpPr>
+      <p:sp>
+        <p:nvSpPr>
+          <p:cNvPr id="2" name="Title 1"/>
+          <p:cNvSpPr>
+            <a:spLocks noGrp="1"/>
+          </p:cNvSpPr>
+          <p:nvPr>
+            <p:ph type="title"/>
+          </p:nvPr>
+        </p:nvSpPr>
+        <p:spPr/>
+        <p:txBody>
+          <a:bodyPr/>
+          <a:lstStyle/>
+          <a:p>
+            <a:r>
               <a:rPr lang="en-US" dirty="0" smtClean="0"/>
               <a:t>Reference</a:t>
             </a:r>
@@ -4104,11 +6017,7 @@
             </a:r>
             <a:r>
               <a:rPr lang="en-US" dirty="0" smtClean="0"/>
-              <a:t>. </a:t>
-            </a:r>
-            <a:r>
-              <a:rPr lang="en-US" smtClean="0"/>
-              <a:t>Neural Machine Translation by Jointly Learning to Align and Translate, 2014.</a:t>
+              <a:t>. Neural Machine Translation by Jointly Learning to Align and Translate, 2014.</a:t>
             </a:r>
           </a:p>
           <a:p>
@@ -4122,8 +6031,159 @@
             </a:r>
             <a:r>
               <a:rPr lang="en-US" dirty="0" smtClean="0"/>
-              <a:t> Pham, Christopher D. Manning. Effective Approaches to Attention-based Neural Machine Translation, 2015.</a:t>
-            </a:r>
+              <a:t> Pham, Christopher D. Manning. Effective Approaches to Attention-based Neural Machine Translation, 2015</a:t>
+            </a:r>
+            <a:r>
+              <a:rPr lang="en-US" dirty="0" smtClean="0"/>
+              <a:t>.</a:t>
+            </a:r>
+          </a:p>
+          <a:p>
+            <a:r>
+              <a:rPr lang="en-US" dirty="0"/>
+              <a:t>Kishore </a:t>
+            </a:r>
+            <a:r>
+              <a:rPr lang="en-US" dirty="0" err="1"/>
+              <a:t>Papineni</a:t>
+            </a:r>
+            <a:r>
+              <a:rPr lang="en-US" dirty="0"/>
+              <a:t>, Salim </a:t>
+            </a:r>
+            <a:r>
+              <a:rPr lang="en-US" dirty="0" err="1"/>
+              <a:t>Roukos</a:t>
+            </a:r>
+            <a:r>
+              <a:rPr lang="en-US" dirty="0"/>
+              <a:t>, Todd Ward, and Wei-Jing </a:t>
+            </a:r>
+            <a:r>
+              <a:rPr lang="en-US" dirty="0" smtClean="0"/>
+              <a:t>Zhu. BLEU</a:t>
+            </a:r>
+            <a:r>
+              <a:rPr lang="en-US" dirty="0"/>
+              <a:t>: a Method for Automatic Evaluation of Machine </a:t>
+            </a:r>
+            <a:r>
+              <a:rPr lang="en-US" dirty="0" smtClean="0"/>
+              <a:t>Translation, 2002.</a:t>
+            </a:r>
+            <a:endParaRPr lang="en-US" dirty="0"/>
+          </a:p>
+          <a:p>
+            <a:r>
+              <a:rPr lang="en-US" dirty="0" smtClean="0">
+                <a:hlinkClick r:id="rId3"/>
+              </a:rPr>
+              <a:t>https</a:t>
+            </a:r>
+            <a:r>
+              <a:rPr lang="en-US" dirty="0">
+                <a:hlinkClick r:id="rId3"/>
+              </a:rPr>
+              <a:t>://</a:t>
+            </a:r>
+            <a:r>
+              <a:rPr lang="en-US" dirty="0" smtClean="0">
+                <a:hlinkClick r:id="rId3"/>
+              </a:rPr>
+              <a:t>en.wikipedia.org/wiki/BLEU</a:t>
+            </a:r>
+            <a:endParaRPr lang="en-US" dirty="0" smtClean="0"/>
+          </a:p>
+          <a:p>
+            <a:r>
+              <a:rPr lang="zh-CN" altLang="en-US" dirty="0"/>
+              <a:t>张俊林</a:t>
+            </a:r>
+            <a:r>
+              <a:rPr lang="en-US" altLang="zh-CN" dirty="0"/>
+              <a:t>. </a:t>
+            </a:r>
+            <a:r>
+              <a:rPr lang="zh-CN" altLang="en-US" dirty="0"/>
+              <a:t>自然语言处理中的</a:t>
+            </a:r>
+            <a:r>
+              <a:rPr lang="en-US" dirty="0"/>
+              <a:t>Attention Model：</a:t>
+            </a:r>
+            <a:r>
+              <a:rPr lang="zh-CN" altLang="en-US" dirty="0"/>
+              <a:t>是什么及为什么</a:t>
+            </a:r>
+            <a:r>
+              <a:rPr lang="en-US" altLang="zh-CN" dirty="0"/>
+              <a:t>. </a:t>
+            </a:r>
+            <a:r>
+              <a:rPr lang="en-US" altLang="zh-CN" sz="2400" dirty="0" smtClean="0"/>
+              <a:t>(</a:t>
+            </a:r>
+            <a:r>
+              <a:rPr lang="en-US" altLang="zh-CN" sz="2400" dirty="0" smtClean="0">
+                <a:hlinkClick r:id="rId4"/>
+              </a:rPr>
+              <a:t>Link</a:t>
+            </a:r>
+            <a:r>
+              <a:rPr lang="en-US" altLang="zh-CN" sz="2400" dirty="0" smtClean="0"/>
+              <a:t>)</a:t>
+            </a:r>
+          </a:p>
+          <a:p>
+            <a:r>
+              <a:rPr lang="zh-CN" altLang="en-US" sz="2400" dirty="0"/>
+              <a:t>何之源</a:t>
+            </a:r>
+            <a:r>
+              <a:rPr lang="en-US" altLang="zh-CN" sz="2400" dirty="0" smtClean="0"/>
+              <a:t>. </a:t>
+            </a:r>
+            <a:r>
+              <a:rPr lang="zh-CN" altLang="en-US" sz="2400" dirty="0" smtClean="0"/>
+              <a:t>完</a:t>
+            </a:r>
+            <a:r>
+              <a:rPr lang="zh-CN" altLang="en-US" sz="2400" dirty="0"/>
+              <a:t>全图解</a:t>
+            </a:r>
+            <a:r>
+              <a:rPr lang="en-US" sz="2400" dirty="0"/>
+              <a:t>RNN、RNN</a:t>
+            </a:r>
+            <a:r>
+              <a:rPr lang="zh-CN" altLang="en-US" sz="2400" dirty="0"/>
+              <a:t>变体、</a:t>
+            </a:r>
+            <a:r>
+              <a:rPr lang="en-US" sz="2400" dirty="0"/>
+              <a:t>Seq2Seq、Attention</a:t>
+            </a:r>
+            <a:r>
+              <a:rPr lang="zh-CN" altLang="en-US" sz="2400" dirty="0"/>
+              <a:t>机制 </a:t>
+            </a:r>
+            <a:r>
+              <a:rPr lang="en-US" altLang="zh-CN" sz="2400" dirty="0"/>
+              <a:t>(</a:t>
+            </a:r>
+            <a:r>
+              <a:rPr lang="en-US" altLang="zh-CN" sz="2400" dirty="0">
+                <a:hlinkClick r:id="rId5"/>
+              </a:rPr>
+              <a:t>Link</a:t>
+            </a:r>
+            <a:r>
+              <a:rPr lang="en-US" altLang="zh-CN" sz="2400" dirty="0"/>
+              <a:t>)</a:t>
+            </a:r>
+          </a:p>
+          <a:p>
+            <a:endParaRPr lang="en-US" sz="2400" dirty="0" smtClean="0"/>
           </a:p>
           <a:p>
             <a:endParaRPr lang="en-US" dirty="0"/>

--- a/nlp/Attention.pptx
+++ b/nlp/Attention.pptx
@@ -5,17 +5,18 @@
     <p:sldMasterId id="2147483648" r:id="rId1"/>
   </p:sldMasterIdLst>
   <p:notesMasterIdLst>
-    <p:notesMasterId r:id="rId10"/>
+    <p:notesMasterId r:id="rId11"/>
   </p:notesMasterIdLst>
   <p:sldIdLst>
     <p:sldId id="256" r:id="rId2"/>
-    <p:sldId id="257" r:id="rId3"/>
-    <p:sldId id="258" r:id="rId4"/>
-    <p:sldId id="261" r:id="rId5"/>
-    <p:sldId id="262" r:id="rId6"/>
-    <p:sldId id="263" r:id="rId7"/>
-    <p:sldId id="260" r:id="rId8"/>
-    <p:sldId id="259" r:id="rId9"/>
+    <p:sldId id="264" r:id="rId3"/>
+    <p:sldId id="257" r:id="rId4"/>
+    <p:sldId id="258" r:id="rId5"/>
+    <p:sldId id="261" r:id="rId6"/>
+    <p:sldId id="262" r:id="rId7"/>
+    <p:sldId id="263" r:id="rId8"/>
+    <p:sldId id="260" r:id="rId9"/>
+    <p:sldId id="259" r:id="rId10"/>
   </p:sldIdLst>
   <p:sldSz cx="12192000" cy="6858000"/>
   <p:notesSz cx="6858000" cy="9144000"/>
@@ -204,7 +205,7 @@
           <a:p>
             <a:fld id="{AF3C1FE7-738C-46F8-9161-55D6DE0A4645}" type="datetimeFigureOut">
               <a:rPr lang="en-US" smtClean="0"/>
-              <a:t>1/18/2018</a:t>
+              <a:t>1/19/2018</a:t>
             </a:fld>
             <a:endParaRPr lang="en-US"/>
           </a:p>
@@ -601,8 +602,16 @@
           <a:lstStyle/>
           <a:p>
             <a:r>
-              <a:rPr lang="zh-CN" altLang="en-US" dirty="0" smtClean="0"/>
-              <a:t>它将整个序列的信息压缩到一个固定长度的向量中去了。对于短序列来说，这种做法可能问题不大，但如果是较长较复杂的队列，则该语义向量可能无法完全表示整个序列的信息。而且先输入的序列的信息会被后输入的序列信息稀释掉。输入序列越长，这个现象就越严重。如果我们得到一个有损的语义编码，那对后面的解码也很可能会产生影响。</a:t>
+              <a:rPr lang="zh-CN" altLang="en-US" sz="1200" b="0" i="0" kern="1200" dirty="0" smtClean="0">
+                <a:solidFill>
+                  <a:schemeClr val="tx1"/>
+                </a:solidFill>
+                <a:effectLst/>
+                <a:latin typeface="+mn-lt"/>
+                <a:ea typeface="+mn-ea"/>
+                <a:cs typeface="+mn-cs"/>
+              </a:rPr>
+              <a:t>视觉注意力机制是人类视觉所特有的大脑信号处理机制。人类视觉通过快速扫描全局图像，获得需要重点关注的目标区域，也就是一般所说的注意力焦点，而后对这一区域投入更多注意力资源，以获取更多所需要关注目标的细节信息，而抑制其他无用信息。</a:t>
             </a:r>
             <a:endParaRPr lang="en-US" dirty="0"/>
           </a:p>
@@ -634,7 +643,7 @@
     </p:spTree>
     <p:extLst>
       <p:ext uri="{BB962C8B-B14F-4D97-AF65-F5344CB8AC3E}">
-        <p14:creationId xmlns:p14="http://schemas.microsoft.com/office/powerpoint/2010/main" val="1108808835"/>
+        <p14:creationId xmlns:p14="http://schemas.microsoft.com/office/powerpoint/2010/main" val="548367795"/>
       </p:ext>
     </p:extLst>
   </p:cSld>
@@ -688,30 +697,10 @@
           <a:bodyPr/>
           <a:lstStyle/>
           <a:p>
-            <a:pPr marL="0" marR="0" lvl="0" indent="0" algn="l" defTabSz="914400" rtl="0" eaLnBrk="1" fontAlgn="auto" latinLnBrk="0" hangingPunct="1">
-              <a:lnSpc>
-                <a:spcPct val="100000"/>
-              </a:lnSpc>
-              <a:spcBef>
-                <a:spcPts val="0"/>
-              </a:spcBef>
-              <a:spcAft>
-                <a:spcPts val="0"/>
-              </a:spcAft>
-              <a:buClrTx/>
-              <a:buSzTx/>
-              <a:buFontTx/>
-              <a:buNone/>
-              <a:tabLst/>
-              <a:defRPr/>
-            </a:pPr>
             <a:r>
               <a:rPr lang="zh-CN" altLang="en-US" dirty="0" smtClean="0"/>
-              <a:t>模拟了人类的视觉注意机制而来，当观察某个画面时，注意力聚焦到其中某一部分，其余部分则变得模糊。</a:t>
-            </a:r>
-            <a:endParaRPr lang="en-US" dirty="0" smtClean="0"/>
-          </a:p>
-          <a:p>
+              <a:t>它将整个序列的信息压缩到一个固定长度的向量中去了。对于短序列来说，这种做法可能问题不大，但如果是较长较复杂的队列，则该语义向量可能无法完全表示整个序列的信息。而且先输入的序列的信息会被后输入的序列信息稀释掉。输入序列越长，这个现象就越严重。如果我们得到一个有损的语义编码，那对后面的解码也很可能会产生影响。</a:t>
+            </a:r>
             <a:endParaRPr lang="en-US" dirty="0"/>
           </a:p>
         </p:txBody>
@@ -742,7 +731,7 @@
     </p:spTree>
     <p:extLst>
       <p:ext uri="{BB962C8B-B14F-4D97-AF65-F5344CB8AC3E}">
-        <p14:creationId xmlns:p14="http://schemas.microsoft.com/office/powerpoint/2010/main" val="4014396631"/>
+        <p14:creationId xmlns:p14="http://schemas.microsoft.com/office/powerpoint/2010/main" val="1108808835"/>
       </p:ext>
     </p:extLst>
   </p:cSld>
@@ -796,258 +785,30 @@
           <a:bodyPr/>
           <a:lstStyle/>
           <a:p>
-            <a:r>
-              <a:rPr lang="zh-CN" altLang="en-US" sz="1200" b="0" i="0" kern="1200" dirty="0" smtClean="0">
-                <a:solidFill>
-                  <a:schemeClr val="tx1"/>
-                </a:solidFill>
-                <a:effectLst/>
-                <a:latin typeface="+mn-lt"/>
-                <a:ea typeface="+mn-ea"/>
-                <a:cs typeface="+mn-cs"/>
-              </a:rPr>
-              <a:t>输入的序列是“我爱中国”，因此，</a:t>
-            </a:r>
-            <a:r>
-              <a:rPr lang="en-US" altLang="zh-CN" sz="1200" b="0" i="0" kern="1200" dirty="0" smtClean="0">
-                <a:solidFill>
-                  <a:schemeClr val="tx1"/>
-                </a:solidFill>
-                <a:effectLst/>
-                <a:latin typeface="+mn-lt"/>
-                <a:ea typeface="+mn-ea"/>
-                <a:cs typeface="+mn-cs"/>
-              </a:rPr>
-              <a:t>Encoder</a:t>
-            </a:r>
-            <a:r>
-              <a:rPr lang="zh-CN" altLang="en-US" sz="1200" b="0" i="0" kern="1200" dirty="0" smtClean="0">
-                <a:solidFill>
-                  <a:schemeClr val="tx1"/>
-                </a:solidFill>
-                <a:effectLst/>
-                <a:latin typeface="+mn-lt"/>
-                <a:ea typeface="+mn-ea"/>
-                <a:cs typeface="+mn-cs"/>
-              </a:rPr>
-              <a:t>中的</a:t>
-            </a:r>
-            <a:r>
-              <a:rPr lang="en-US" altLang="zh-CN" sz="1200" b="0" i="0" kern="1200" dirty="0" smtClean="0">
-                <a:solidFill>
-                  <a:schemeClr val="tx1"/>
-                </a:solidFill>
-                <a:effectLst/>
-                <a:latin typeface="+mn-lt"/>
-                <a:ea typeface="+mn-ea"/>
-                <a:cs typeface="+mn-cs"/>
-              </a:rPr>
-              <a:t>h1</a:t>
-            </a:r>
-            <a:r>
-              <a:rPr lang="zh-CN" altLang="en-US" sz="1200" b="0" i="0" kern="1200" dirty="0" smtClean="0">
-                <a:solidFill>
-                  <a:schemeClr val="tx1"/>
-                </a:solidFill>
-                <a:effectLst/>
-                <a:latin typeface="+mn-lt"/>
-                <a:ea typeface="+mn-ea"/>
-                <a:cs typeface="+mn-cs"/>
-              </a:rPr>
-              <a:t>、</a:t>
-            </a:r>
-            <a:r>
-              <a:rPr lang="en-US" altLang="zh-CN" sz="1200" b="0" i="0" kern="1200" dirty="0" smtClean="0">
-                <a:solidFill>
-                  <a:schemeClr val="tx1"/>
-                </a:solidFill>
-                <a:effectLst/>
-                <a:latin typeface="+mn-lt"/>
-                <a:ea typeface="+mn-ea"/>
-                <a:cs typeface="+mn-cs"/>
-              </a:rPr>
-              <a:t>h2</a:t>
-            </a:r>
-            <a:r>
-              <a:rPr lang="zh-CN" altLang="en-US" sz="1200" b="0" i="0" kern="1200" dirty="0" smtClean="0">
-                <a:solidFill>
-                  <a:schemeClr val="tx1"/>
-                </a:solidFill>
-                <a:effectLst/>
-                <a:latin typeface="+mn-lt"/>
-                <a:ea typeface="+mn-ea"/>
-                <a:cs typeface="+mn-cs"/>
-              </a:rPr>
-              <a:t>、</a:t>
-            </a:r>
-            <a:r>
-              <a:rPr lang="en-US" altLang="zh-CN" sz="1200" b="0" i="0" kern="1200" dirty="0" smtClean="0">
-                <a:solidFill>
-                  <a:schemeClr val="tx1"/>
-                </a:solidFill>
-                <a:effectLst/>
-                <a:latin typeface="+mn-lt"/>
-                <a:ea typeface="+mn-ea"/>
-                <a:cs typeface="+mn-cs"/>
-              </a:rPr>
-              <a:t>h3</a:t>
-            </a:r>
-            <a:r>
-              <a:rPr lang="zh-CN" altLang="en-US" sz="1200" b="0" i="0" kern="1200" dirty="0" smtClean="0">
-                <a:solidFill>
-                  <a:schemeClr val="tx1"/>
-                </a:solidFill>
-                <a:effectLst/>
-                <a:latin typeface="+mn-lt"/>
-                <a:ea typeface="+mn-ea"/>
-                <a:cs typeface="+mn-cs"/>
-              </a:rPr>
-              <a:t>、</a:t>
-            </a:r>
-            <a:r>
-              <a:rPr lang="en-US" altLang="zh-CN" sz="1200" b="0" i="0" kern="1200" dirty="0" smtClean="0">
-                <a:solidFill>
-                  <a:schemeClr val="tx1"/>
-                </a:solidFill>
-                <a:effectLst/>
-                <a:latin typeface="+mn-lt"/>
-                <a:ea typeface="+mn-ea"/>
-                <a:cs typeface="+mn-cs"/>
-              </a:rPr>
-              <a:t>h4</a:t>
-            </a:r>
-            <a:r>
-              <a:rPr lang="zh-CN" altLang="en-US" sz="1200" b="0" i="0" kern="1200" dirty="0" smtClean="0">
-                <a:solidFill>
-                  <a:schemeClr val="tx1"/>
-                </a:solidFill>
-                <a:effectLst/>
-                <a:latin typeface="+mn-lt"/>
-                <a:ea typeface="+mn-ea"/>
-                <a:cs typeface="+mn-cs"/>
-              </a:rPr>
-              <a:t>就可以分别看做是“我”、“爱”、“中”、“国”所代表的信息。在翻译成英语时，第一个上下文</a:t>
-            </a:r>
-            <a:r>
-              <a:rPr lang="en-US" altLang="zh-CN" sz="1200" b="0" i="0" kern="1200" dirty="0" smtClean="0">
-                <a:solidFill>
-                  <a:schemeClr val="tx1"/>
-                </a:solidFill>
-                <a:effectLst/>
-                <a:latin typeface="+mn-lt"/>
-                <a:ea typeface="+mn-ea"/>
-                <a:cs typeface="+mn-cs"/>
-              </a:rPr>
-              <a:t>c1</a:t>
-            </a:r>
-            <a:r>
-              <a:rPr lang="zh-CN" altLang="en-US" sz="1200" b="0" i="0" kern="1200" dirty="0" smtClean="0">
-                <a:solidFill>
-                  <a:schemeClr val="tx1"/>
-                </a:solidFill>
-                <a:effectLst/>
-                <a:latin typeface="+mn-lt"/>
-                <a:ea typeface="+mn-ea"/>
-                <a:cs typeface="+mn-cs"/>
-              </a:rPr>
-              <a:t>应该和“我”这个字最相关，因此对应的  就比较大，而相应的  、  、  就比较小。</a:t>
-            </a:r>
-            <a:r>
-              <a:rPr lang="en-US" altLang="zh-CN" sz="1200" b="0" i="0" kern="1200" dirty="0" smtClean="0">
-                <a:solidFill>
-                  <a:schemeClr val="tx1"/>
-                </a:solidFill>
-                <a:effectLst/>
-                <a:latin typeface="+mn-lt"/>
-                <a:ea typeface="+mn-ea"/>
-                <a:cs typeface="+mn-cs"/>
-              </a:rPr>
-              <a:t>c2</a:t>
-            </a:r>
-            <a:r>
-              <a:rPr lang="zh-CN" altLang="en-US" sz="1200" b="0" i="0" kern="1200" dirty="0" smtClean="0">
-                <a:solidFill>
-                  <a:schemeClr val="tx1"/>
-                </a:solidFill>
-                <a:effectLst/>
-                <a:latin typeface="+mn-lt"/>
-                <a:ea typeface="+mn-ea"/>
-                <a:cs typeface="+mn-cs"/>
-              </a:rPr>
-              <a:t>应该和“爱”最相关，因此对应的  就比较大。最后的</a:t>
-            </a:r>
-            <a:r>
-              <a:rPr lang="en-US" altLang="zh-CN" sz="1200" b="0" i="0" kern="1200" dirty="0" smtClean="0">
-                <a:solidFill>
-                  <a:schemeClr val="tx1"/>
-                </a:solidFill>
-                <a:effectLst/>
-                <a:latin typeface="+mn-lt"/>
-                <a:ea typeface="+mn-ea"/>
-                <a:cs typeface="+mn-cs"/>
-              </a:rPr>
-              <a:t>c3</a:t>
-            </a:r>
-            <a:r>
-              <a:rPr lang="zh-CN" altLang="en-US" sz="1200" b="0" i="0" kern="1200" dirty="0" smtClean="0">
-                <a:solidFill>
-                  <a:schemeClr val="tx1"/>
-                </a:solidFill>
-                <a:effectLst/>
-                <a:latin typeface="+mn-lt"/>
-                <a:ea typeface="+mn-ea"/>
-                <a:cs typeface="+mn-cs"/>
-              </a:rPr>
-              <a:t>和</a:t>
-            </a:r>
-            <a:r>
-              <a:rPr lang="en-US" altLang="zh-CN" sz="1200" b="0" i="0" kern="1200" dirty="0" smtClean="0">
-                <a:solidFill>
-                  <a:schemeClr val="tx1"/>
-                </a:solidFill>
-                <a:effectLst/>
-                <a:latin typeface="+mn-lt"/>
-                <a:ea typeface="+mn-ea"/>
-                <a:cs typeface="+mn-cs"/>
-              </a:rPr>
-              <a:t>h3</a:t>
-            </a:r>
-            <a:r>
-              <a:rPr lang="zh-CN" altLang="en-US" sz="1200" b="0" i="0" kern="1200" dirty="0" smtClean="0">
-                <a:solidFill>
-                  <a:schemeClr val="tx1"/>
-                </a:solidFill>
-                <a:effectLst/>
-                <a:latin typeface="+mn-lt"/>
-                <a:ea typeface="+mn-ea"/>
-                <a:cs typeface="+mn-cs"/>
-              </a:rPr>
-              <a:t>、</a:t>
-            </a:r>
-            <a:r>
-              <a:rPr lang="en-US" altLang="zh-CN" sz="1200" b="0" i="0" kern="1200" dirty="0" smtClean="0">
-                <a:solidFill>
-                  <a:schemeClr val="tx1"/>
-                </a:solidFill>
-                <a:effectLst/>
-                <a:latin typeface="+mn-lt"/>
-                <a:ea typeface="+mn-ea"/>
-                <a:cs typeface="+mn-cs"/>
-              </a:rPr>
-              <a:t>h4</a:t>
-            </a:r>
-            <a:r>
-              <a:rPr lang="zh-CN" altLang="en-US" sz="1200" b="0" i="0" kern="1200" dirty="0" smtClean="0">
-                <a:solidFill>
-                  <a:schemeClr val="tx1"/>
-                </a:solidFill>
-                <a:effectLst/>
-                <a:latin typeface="+mn-lt"/>
-                <a:ea typeface="+mn-ea"/>
-                <a:cs typeface="+mn-cs"/>
-              </a:rPr>
-              <a:t>最相关，因此  、  的值就比较大。</a:t>
-            </a:r>
+            <a:pPr marL="0" marR="0" lvl="0" indent="0" algn="l" defTabSz="914400" rtl="0" eaLnBrk="1" fontAlgn="auto" latinLnBrk="0" hangingPunct="1">
+              <a:lnSpc>
+                <a:spcPct val="100000"/>
+              </a:lnSpc>
+              <a:spcBef>
+                <a:spcPts val="0"/>
+              </a:spcBef>
+              <a:spcAft>
+                <a:spcPts val="0"/>
+              </a:spcAft>
+              <a:buClrTx/>
+              <a:buSzTx/>
+              <a:buFontTx/>
+              <a:buNone/>
+              <a:tabLst/>
+              <a:defRPr/>
+            </a:pPr>
+            <a:r>
+              <a:rPr lang="zh-CN" altLang="en-US" dirty="0" smtClean="0"/>
+              <a:t>模拟了人类的视觉注意机制而来，当观察某个画面时，注意力聚焦到其中某一部分，其余部分则变得模糊。</a:t>
+            </a:r>
+            <a:endParaRPr lang="en-US" dirty="0" smtClean="0"/>
+          </a:p>
+          <a:p>
             <a:endParaRPr lang="en-US" dirty="0"/>
           </a:p>
         </p:txBody>
@@ -1078,7 +839,7 @@
     </p:spTree>
     <p:extLst>
       <p:ext uri="{BB962C8B-B14F-4D97-AF65-F5344CB8AC3E}">
-        <p14:creationId xmlns:p14="http://schemas.microsoft.com/office/powerpoint/2010/main" val="3339715652"/>
+        <p14:creationId xmlns:p14="http://schemas.microsoft.com/office/powerpoint/2010/main" val="4014396631"/>
       </p:ext>
     </p:extLst>
   </p:cSld>
@@ -1132,7 +893,259 @@
           <a:bodyPr/>
           <a:lstStyle/>
           <a:p>
-            <a:endParaRPr lang="en-US"/>
+            <a:r>
+              <a:rPr lang="zh-CN" altLang="en-US" sz="1200" b="0" i="0" kern="1200" dirty="0" smtClean="0">
+                <a:solidFill>
+                  <a:schemeClr val="tx1"/>
+                </a:solidFill>
+                <a:effectLst/>
+                <a:latin typeface="+mn-lt"/>
+                <a:ea typeface="+mn-ea"/>
+                <a:cs typeface="+mn-cs"/>
+              </a:rPr>
+              <a:t>输入的序列是“我爱中国”，因此，</a:t>
+            </a:r>
+            <a:r>
+              <a:rPr lang="en-US" altLang="zh-CN" sz="1200" b="0" i="0" kern="1200" dirty="0" smtClean="0">
+                <a:solidFill>
+                  <a:schemeClr val="tx1"/>
+                </a:solidFill>
+                <a:effectLst/>
+                <a:latin typeface="+mn-lt"/>
+                <a:ea typeface="+mn-ea"/>
+                <a:cs typeface="+mn-cs"/>
+              </a:rPr>
+              <a:t>Encoder</a:t>
+            </a:r>
+            <a:r>
+              <a:rPr lang="zh-CN" altLang="en-US" sz="1200" b="0" i="0" kern="1200" dirty="0" smtClean="0">
+                <a:solidFill>
+                  <a:schemeClr val="tx1"/>
+                </a:solidFill>
+                <a:effectLst/>
+                <a:latin typeface="+mn-lt"/>
+                <a:ea typeface="+mn-ea"/>
+                <a:cs typeface="+mn-cs"/>
+              </a:rPr>
+              <a:t>中的</a:t>
+            </a:r>
+            <a:r>
+              <a:rPr lang="en-US" altLang="zh-CN" sz="1200" b="0" i="0" kern="1200" dirty="0" smtClean="0">
+                <a:solidFill>
+                  <a:schemeClr val="tx1"/>
+                </a:solidFill>
+                <a:effectLst/>
+                <a:latin typeface="+mn-lt"/>
+                <a:ea typeface="+mn-ea"/>
+                <a:cs typeface="+mn-cs"/>
+              </a:rPr>
+              <a:t>h1</a:t>
+            </a:r>
+            <a:r>
+              <a:rPr lang="zh-CN" altLang="en-US" sz="1200" b="0" i="0" kern="1200" dirty="0" smtClean="0">
+                <a:solidFill>
+                  <a:schemeClr val="tx1"/>
+                </a:solidFill>
+                <a:effectLst/>
+                <a:latin typeface="+mn-lt"/>
+                <a:ea typeface="+mn-ea"/>
+                <a:cs typeface="+mn-cs"/>
+              </a:rPr>
+              <a:t>、</a:t>
+            </a:r>
+            <a:r>
+              <a:rPr lang="en-US" altLang="zh-CN" sz="1200" b="0" i="0" kern="1200" dirty="0" smtClean="0">
+                <a:solidFill>
+                  <a:schemeClr val="tx1"/>
+                </a:solidFill>
+                <a:effectLst/>
+                <a:latin typeface="+mn-lt"/>
+                <a:ea typeface="+mn-ea"/>
+                <a:cs typeface="+mn-cs"/>
+              </a:rPr>
+              <a:t>h2</a:t>
+            </a:r>
+            <a:r>
+              <a:rPr lang="zh-CN" altLang="en-US" sz="1200" b="0" i="0" kern="1200" dirty="0" smtClean="0">
+                <a:solidFill>
+                  <a:schemeClr val="tx1"/>
+                </a:solidFill>
+                <a:effectLst/>
+                <a:latin typeface="+mn-lt"/>
+                <a:ea typeface="+mn-ea"/>
+                <a:cs typeface="+mn-cs"/>
+              </a:rPr>
+              <a:t>、</a:t>
+            </a:r>
+            <a:r>
+              <a:rPr lang="en-US" altLang="zh-CN" sz="1200" b="0" i="0" kern="1200" dirty="0" smtClean="0">
+                <a:solidFill>
+                  <a:schemeClr val="tx1"/>
+                </a:solidFill>
+                <a:effectLst/>
+                <a:latin typeface="+mn-lt"/>
+                <a:ea typeface="+mn-ea"/>
+                <a:cs typeface="+mn-cs"/>
+              </a:rPr>
+              <a:t>h3</a:t>
+            </a:r>
+            <a:r>
+              <a:rPr lang="zh-CN" altLang="en-US" sz="1200" b="0" i="0" kern="1200" dirty="0" smtClean="0">
+                <a:solidFill>
+                  <a:schemeClr val="tx1"/>
+                </a:solidFill>
+                <a:effectLst/>
+                <a:latin typeface="+mn-lt"/>
+                <a:ea typeface="+mn-ea"/>
+                <a:cs typeface="+mn-cs"/>
+              </a:rPr>
+              <a:t>、</a:t>
+            </a:r>
+            <a:r>
+              <a:rPr lang="en-US" altLang="zh-CN" sz="1200" b="0" i="0" kern="1200" dirty="0" smtClean="0">
+                <a:solidFill>
+                  <a:schemeClr val="tx1"/>
+                </a:solidFill>
+                <a:effectLst/>
+                <a:latin typeface="+mn-lt"/>
+                <a:ea typeface="+mn-ea"/>
+                <a:cs typeface="+mn-cs"/>
+              </a:rPr>
+              <a:t>h4</a:t>
+            </a:r>
+            <a:r>
+              <a:rPr lang="zh-CN" altLang="en-US" sz="1200" b="0" i="0" kern="1200" dirty="0" smtClean="0">
+                <a:solidFill>
+                  <a:schemeClr val="tx1"/>
+                </a:solidFill>
+                <a:effectLst/>
+                <a:latin typeface="+mn-lt"/>
+                <a:ea typeface="+mn-ea"/>
+                <a:cs typeface="+mn-cs"/>
+              </a:rPr>
+              <a:t>就可以分别看做是“我”、“爱”、“中”、“国”所代表的信息。在翻译成英语时，第一个上下文</a:t>
+            </a:r>
+            <a:r>
+              <a:rPr lang="en-US" altLang="zh-CN" sz="1200" b="0" i="0" kern="1200" dirty="0" smtClean="0">
+                <a:solidFill>
+                  <a:schemeClr val="tx1"/>
+                </a:solidFill>
+                <a:effectLst/>
+                <a:latin typeface="+mn-lt"/>
+                <a:ea typeface="+mn-ea"/>
+                <a:cs typeface="+mn-cs"/>
+              </a:rPr>
+              <a:t>c1</a:t>
+            </a:r>
+            <a:r>
+              <a:rPr lang="zh-CN" altLang="en-US" sz="1200" b="0" i="0" kern="1200" dirty="0" smtClean="0">
+                <a:solidFill>
+                  <a:schemeClr val="tx1"/>
+                </a:solidFill>
+                <a:effectLst/>
+                <a:latin typeface="+mn-lt"/>
+                <a:ea typeface="+mn-ea"/>
+                <a:cs typeface="+mn-cs"/>
+              </a:rPr>
+              <a:t>应该和“我”这个字最相关，因此对应的  就比较大，而相应的  、  、  就比较小。</a:t>
+            </a:r>
+            <a:r>
+              <a:rPr lang="en-US" altLang="zh-CN" sz="1200" b="0" i="0" kern="1200" dirty="0" smtClean="0">
+                <a:solidFill>
+                  <a:schemeClr val="tx1"/>
+                </a:solidFill>
+                <a:effectLst/>
+                <a:latin typeface="+mn-lt"/>
+                <a:ea typeface="+mn-ea"/>
+                <a:cs typeface="+mn-cs"/>
+              </a:rPr>
+              <a:t>c2</a:t>
+            </a:r>
+            <a:r>
+              <a:rPr lang="zh-CN" altLang="en-US" sz="1200" b="0" i="0" kern="1200" dirty="0" smtClean="0">
+                <a:solidFill>
+                  <a:schemeClr val="tx1"/>
+                </a:solidFill>
+                <a:effectLst/>
+                <a:latin typeface="+mn-lt"/>
+                <a:ea typeface="+mn-ea"/>
+                <a:cs typeface="+mn-cs"/>
+              </a:rPr>
+              <a:t>应该和“爱”最相关，因此对应的  就比较大。最后的</a:t>
+            </a:r>
+            <a:r>
+              <a:rPr lang="en-US" altLang="zh-CN" sz="1200" b="0" i="0" kern="1200" dirty="0" smtClean="0">
+                <a:solidFill>
+                  <a:schemeClr val="tx1"/>
+                </a:solidFill>
+                <a:effectLst/>
+                <a:latin typeface="+mn-lt"/>
+                <a:ea typeface="+mn-ea"/>
+                <a:cs typeface="+mn-cs"/>
+              </a:rPr>
+              <a:t>c3</a:t>
+            </a:r>
+            <a:r>
+              <a:rPr lang="zh-CN" altLang="en-US" sz="1200" b="0" i="0" kern="1200" dirty="0" smtClean="0">
+                <a:solidFill>
+                  <a:schemeClr val="tx1"/>
+                </a:solidFill>
+                <a:effectLst/>
+                <a:latin typeface="+mn-lt"/>
+                <a:ea typeface="+mn-ea"/>
+                <a:cs typeface="+mn-cs"/>
+              </a:rPr>
+              <a:t>和</a:t>
+            </a:r>
+            <a:r>
+              <a:rPr lang="en-US" altLang="zh-CN" sz="1200" b="0" i="0" kern="1200" dirty="0" smtClean="0">
+                <a:solidFill>
+                  <a:schemeClr val="tx1"/>
+                </a:solidFill>
+                <a:effectLst/>
+                <a:latin typeface="+mn-lt"/>
+                <a:ea typeface="+mn-ea"/>
+                <a:cs typeface="+mn-cs"/>
+              </a:rPr>
+              <a:t>h3</a:t>
+            </a:r>
+            <a:r>
+              <a:rPr lang="zh-CN" altLang="en-US" sz="1200" b="0" i="0" kern="1200" dirty="0" smtClean="0">
+                <a:solidFill>
+                  <a:schemeClr val="tx1"/>
+                </a:solidFill>
+                <a:effectLst/>
+                <a:latin typeface="+mn-lt"/>
+                <a:ea typeface="+mn-ea"/>
+                <a:cs typeface="+mn-cs"/>
+              </a:rPr>
+              <a:t>、</a:t>
+            </a:r>
+            <a:r>
+              <a:rPr lang="en-US" altLang="zh-CN" sz="1200" b="0" i="0" kern="1200" dirty="0" smtClean="0">
+                <a:solidFill>
+                  <a:schemeClr val="tx1"/>
+                </a:solidFill>
+                <a:effectLst/>
+                <a:latin typeface="+mn-lt"/>
+                <a:ea typeface="+mn-ea"/>
+                <a:cs typeface="+mn-cs"/>
+              </a:rPr>
+              <a:t>h4</a:t>
+            </a:r>
+            <a:r>
+              <a:rPr lang="zh-CN" altLang="en-US" sz="1200" b="0" i="0" kern="1200" dirty="0" smtClean="0">
+                <a:solidFill>
+                  <a:schemeClr val="tx1"/>
+                </a:solidFill>
+                <a:effectLst/>
+                <a:latin typeface="+mn-lt"/>
+                <a:ea typeface="+mn-ea"/>
+                <a:cs typeface="+mn-cs"/>
+              </a:rPr>
+              <a:t>最相关，因此  、  的值就比较大。</a:t>
+            </a:r>
+            <a:endParaRPr lang="en-US" dirty="0"/>
           </a:p>
         </p:txBody>
       </p:sp>
@@ -1162,7 +1175,7 @@
     </p:spTree>
     <p:extLst>
       <p:ext uri="{BB962C8B-B14F-4D97-AF65-F5344CB8AC3E}">
-        <p14:creationId xmlns:p14="http://schemas.microsoft.com/office/powerpoint/2010/main" val="499216727"/>
+        <p14:creationId xmlns:p14="http://schemas.microsoft.com/office/powerpoint/2010/main" val="3339715652"/>
       </p:ext>
     </p:extLst>
   </p:cSld>
@@ -1246,7 +1259,7 @@
     </p:spTree>
     <p:extLst>
       <p:ext uri="{BB962C8B-B14F-4D97-AF65-F5344CB8AC3E}">
-        <p14:creationId xmlns:p14="http://schemas.microsoft.com/office/powerpoint/2010/main" val="894055913"/>
+        <p14:creationId xmlns:p14="http://schemas.microsoft.com/office/powerpoint/2010/main" val="499216727"/>
       </p:ext>
     </p:extLst>
   </p:cSld>
@@ -1330,7 +1343,7 @@
     </p:spTree>
     <p:extLst>
       <p:ext uri="{BB962C8B-B14F-4D97-AF65-F5344CB8AC3E}">
-        <p14:creationId xmlns:p14="http://schemas.microsoft.com/office/powerpoint/2010/main" val="4024399784"/>
+        <p14:creationId xmlns:p14="http://schemas.microsoft.com/office/powerpoint/2010/main" val="894055913"/>
       </p:ext>
     </p:extLst>
   </p:cSld>
@@ -1406,6 +1419,90 @@
             <a:fld id="{55D2869D-7E88-41DE-8919-E38F09D0A8C5}" type="slidenum">
               <a:rPr lang="en-US" smtClean="0"/>
               <a:t>8</a:t>
+            </a:fld>
+            <a:endParaRPr lang="en-US"/>
+          </a:p>
+        </p:txBody>
+      </p:sp>
+    </p:spTree>
+    <p:extLst>
+      <p:ext uri="{BB962C8B-B14F-4D97-AF65-F5344CB8AC3E}">
+        <p14:creationId xmlns:p14="http://schemas.microsoft.com/office/powerpoint/2010/main" val="4024399784"/>
+      </p:ext>
+    </p:extLst>
+  </p:cSld>
+  <p:clrMapOvr>
+    <a:masterClrMapping/>
+  </p:clrMapOvr>
+</p:notes>
+</file>
+
+<file path=ppt/notesSlides/notesSlide9.xml><?xml version="1.0" encoding="utf-8"?>
+<p:notes xmlns:a="http://schemas.openxmlformats.org/drawingml/2006/main" xmlns:r="http://schemas.openxmlformats.org/officeDocument/2006/relationships" xmlns:p="http://schemas.openxmlformats.org/presentationml/2006/main">
+  <p:cSld>
+    <p:spTree>
+      <p:nvGrpSpPr>
+        <p:cNvPr id="1" name=""/>
+        <p:cNvGrpSpPr/>
+        <p:nvPr/>
+      </p:nvGrpSpPr>
+      <p:grpSpPr>
+        <a:xfrm>
+          <a:off x="0" y="0"/>
+          <a:ext cx="0" cy="0"/>
+          <a:chOff x="0" y="0"/>
+          <a:chExt cx="0" cy="0"/>
+        </a:xfrm>
+      </p:grpSpPr>
+      <p:sp>
+        <p:nvSpPr>
+          <p:cNvPr id="2" name="Slide Image Placeholder 1"/>
+          <p:cNvSpPr>
+            <a:spLocks noGrp="1" noRot="1" noChangeAspect="1"/>
+          </p:cNvSpPr>
+          <p:nvPr>
+            <p:ph type="sldImg"/>
+          </p:nvPr>
+        </p:nvSpPr>
+        <p:spPr/>
+      </p:sp>
+      <p:sp>
+        <p:nvSpPr>
+          <p:cNvPr id="3" name="Notes Placeholder 2"/>
+          <p:cNvSpPr>
+            <a:spLocks noGrp="1"/>
+          </p:cNvSpPr>
+          <p:nvPr>
+            <p:ph type="body" idx="1"/>
+          </p:nvPr>
+        </p:nvSpPr>
+        <p:spPr/>
+        <p:txBody>
+          <a:bodyPr/>
+          <a:lstStyle/>
+          <a:p>
+            <a:endParaRPr lang="en-US"/>
+          </a:p>
+        </p:txBody>
+      </p:sp>
+      <p:sp>
+        <p:nvSpPr>
+          <p:cNvPr id="4" name="Slide Number Placeholder 3"/>
+          <p:cNvSpPr>
+            <a:spLocks noGrp="1"/>
+          </p:cNvSpPr>
+          <p:nvPr>
+            <p:ph type="sldNum" sz="quarter" idx="10"/>
+          </p:nvPr>
+        </p:nvSpPr>
+        <p:spPr/>
+        <p:txBody>
+          <a:bodyPr/>
+          <a:lstStyle/>
+          <a:p>
+            <a:fld id="{55D2869D-7E88-41DE-8919-E38F09D0A8C5}" type="slidenum">
+              <a:rPr lang="en-US" smtClean="0"/>
+              <a:t>9</a:t>
             </a:fld>
             <a:endParaRPr lang="en-US"/>
           </a:p>
@@ -1555,7 +1652,7 @@
           <a:p>
             <a:fld id="{630B6AA0-0664-4EB1-8E3A-72590DDF4C08}" type="datetimeFigureOut">
               <a:rPr lang="en-US" smtClean="0"/>
-              <a:t>1/18/2018</a:t>
+              <a:t>1/19/2018</a:t>
             </a:fld>
             <a:endParaRPr lang="en-US"/>
           </a:p>
@@ -1725,7 +1822,7 @@
           <a:p>
             <a:fld id="{630B6AA0-0664-4EB1-8E3A-72590DDF4C08}" type="datetimeFigureOut">
               <a:rPr lang="en-US" smtClean="0"/>
-              <a:t>1/18/2018</a:t>
+              <a:t>1/19/2018</a:t>
             </a:fld>
             <a:endParaRPr lang="en-US"/>
           </a:p>
@@ -1905,7 +2002,7 @@
           <a:p>
             <a:fld id="{630B6AA0-0664-4EB1-8E3A-72590DDF4C08}" type="datetimeFigureOut">
               <a:rPr lang="en-US" smtClean="0"/>
-              <a:t>1/18/2018</a:t>
+              <a:t>1/19/2018</a:t>
             </a:fld>
             <a:endParaRPr lang="en-US"/>
           </a:p>
@@ -2075,7 +2172,7 @@
           <a:p>
             <a:fld id="{630B6AA0-0664-4EB1-8E3A-72590DDF4C08}" type="datetimeFigureOut">
               <a:rPr lang="en-US" smtClean="0"/>
-              <a:t>1/18/2018</a:t>
+              <a:t>1/19/2018</a:t>
             </a:fld>
             <a:endParaRPr lang="en-US"/>
           </a:p>
@@ -2321,7 +2418,7 @@
           <a:p>
             <a:fld id="{630B6AA0-0664-4EB1-8E3A-72590DDF4C08}" type="datetimeFigureOut">
               <a:rPr lang="en-US" smtClean="0"/>
-              <a:t>1/18/2018</a:t>
+              <a:t>1/19/2018</a:t>
             </a:fld>
             <a:endParaRPr lang="en-US"/>
           </a:p>
@@ -2553,7 +2650,7 @@
           <a:p>
             <a:fld id="{630B6AA0-0664-4EB1-8E3A-72590DDF4C08}" type="datetimeFigureOut">
               <a:rPr lang="en-US" smtClean="0"/>
-              <a:t>1/18/2018</a:t>
+              <a:t>1/19/2018</a:t>
             </a:fld>
             <a:endParaRPr lang="en-US"/>
           </a:p>
@@ -2920,7 +3017,7 @@
           <a:p>
             <a:fld id="{630B6AA0-0664-4EB1-8E3A-72590DDF4C08}" type="datetimeFigureOut">
               <a:rPr lang="en-US" smtClean="0"/>
-              <a:t>1/18/2018</a:t>
+              <a:t>1/19/2018</a:t>
             </a:fld>
             <a:endParaRPr lang="en-US"/>
           </a:p>
@@ -3038,7 +3135,7 @@
           <a:p>
             <a:fld id="{630B6AA0-0664-4EB1-8E3A-72590DDF4C08}" type="datetimeFigureOut">
               <a:rPr lang="en-US" smtClean="0"/>
-              <a:t>1/18/2018</a:t>
+              <a:t>1/19/2018</a:t>
             </a:fld>
             <a:endParaRPr lang="en-US"/>
           </a:p>
@@ -3133,7 +3230,7 @@
           <a:p>
             <a:fld id="{630B6AA0-0664-4EB1-8E3A-72590DDF4C08}" type="datetimeFigureOut">
               <a:rPr lang="en-US" smtClean="0"/>
-              <a:t>1/18/2018</a:t>
+              <a:t>1/19/2018</a:t>
             </a:fld>
             <a:endParaRPr lang="en-US"/>
           </a:p>
@@ -3410,7 +3507,7 @@
           <a:p>
             <a:fld id="{630B6AA0-0664-4EB1-8E3A-72590DDF4C08}" type="datetimeFigureOut">
               <a:rPr lang="en-US" smtClean="0"/>
-              <a:t>1/18/2018</a:t>
+              <a:t>1/19/2018</a:t>
             </a:fld>
             <a:endParaRPr lang="en-US"/>
           </a:p>
@@ -3663,7 +3760,7 @@
           <a:p>
             <a:fld id="{630B6AA0-0664-4EB1-8E3A-72590DDF4C08}" type="datetimeFigureOut">
               <a:rPr lang="en-US" smtClean="0"/>
-              <a:t>1/18/2018</a:t>
+              <a:t>1/19/2018</a:t>
             </a:fld>
             <a:endParaRPr lang="en-US"/>
           </a:p>
@@ -3876,7 +3973,7 @@
           <a:p>
             <a:fld id="{630B6AA0-0664-4EB1-8E3A-72590DDF4C08}" type="datetimeFigureOut">
               <a:rPr lang="en-US" smtClean="0"/>
-              <a:t>1/18/2018</a:t>
+              <a:t>1/19/2018</a:t>
             </a:fld>
             <a:endParaRPr lang="en-US"/>
           </a:p>
@@ -4377,6 +4474,236 @@
           <a:lstStyle/>
           <a:p>
             <a:r>
+              <a:rPr lang="zh-CN" altLang="en-US" dirty="0" smtClean="0"/>
+              <a:t>人类的视觉注意力</a:t>
+            </a:r>
+            <a:endParaRPr lang="en-US" dirty="0"/>
+          </a:p>
+        </p:txBody>
+      </p:sp>
+      <p:sp>
+        <p:nvSpPr>
+          <p:cNvPr id="3" name="Content Placeholder 2"/>
+          <p:cNvSpPr>
+            <a:spLocks noGrp="1"/>
+          </p:cNvSpPr>
+          <p:nvPr>
+            <p:ph idx="1"/>
+          </p:nvPr>
+        </p:nvSpPr>
+        <p:spPr>
+          <a:xfrm>
+            <a:off x="838200" y="1825625"/>
+            <a:ext cx="5654040" cy="4351338"/>
+          </a:xfrm>
+        </p:spPr>
+        <p:txBody>
+          <a:bodyPr>
+            <a:normAutofit/>
+          </a:bodyPr>
+          <a:lstStyle/>
+          <a:p>
+            <a:pPr marL="514350" indent="-514350">
+              <a:buFont typeface="+mj-lt"/>
+              <a:buAutoNum type="arabicPeriod"/>
+            </a:pPr>
+            <a:r>
+              <a:rPr lang="zh-CN" altLang="en-US" dirty="0"/>
+              <a:t>快速扫描全局图</a:t>
+            </a:r>
+            <a:r>
+              <a:rPr lang="zh-CN" altLang="en-US" dirty="0" smtClean="0"/>
+              <a:t>像</a:t>
+            </a:r>
+            <a:endParaRPr lang="en-US" altLang="zh-CN" dirty="0" smtClean="0"/>
+          </a:p>
+          <a:p>
+            <a:pPr marL="514350" indent="-514350">
+              <a:buFont typeface="+mj-lt"/>
+              <a:buAutoNum type="arabicPeriod"/>
+            </a:pPr>
+            <a:r>
+              <a:rPr lang="zh-CN" altLang="en-US" dirty="0"/>
+              <a:t>获得需要重点关注的目标区</a:t>
+            </a:r>
+            <a:r>
+              <a:rPr lang="zh-CN" altLang="en-US" dirty="0" smtClean="0"/>
+              <a:t>域</a:t>
+            </a:r>
+            <a:endParaRPr lang="en-US" altLang="zh-CN" dirty="0" smtClean="0"/>
+          </a:p>
+          <a:p>
+            <a:pPr marL="514350" indent="-514350">
+              <a:buFont typeface="+mj-lt"/>
+              <a:buAutoNum type="arabicPeriod"/>
+            </a:pPr>
+            <a:r>
+              <a:rPr lang="zh-CN" altLang="en-US" dirty="0"/>
+              <a:t>对这一区域投入更</a:t>
+            </a:r>
+            <a:r>
+              <a:rPr lang="zh-CN" altLang="en-US" dirty="0" smtClean="0"/>
+              <a:t>多资源</a:t>
+            </a:r>
+            <a:endParaRPr lang="en-US" altLang="zh-CN" dirty="0" smtClean="0"/>
+          </a:p>
+          <a:p>
+            <a:pPr marL="514350" indent="-514350">
+              <a:buFont typeface="+mj-lt"/>
+              <a:buAutoNum type="arabicPeriod"/>
+            </a:pPr>
+            <a:r>
+              <a:rPr lang="zh-CN" altLang="en-US" dirty="0" smtClean="0"/>
+              <a:t>获</a:t>
+            </a:r>
+            <a:r>
+              <a:rPr lang="zh-CN" altLang="en-US" dirty="0"/>
+              <a:t>取更多所需要关注目标的细节信息，而抑制其他无用信息</a:t>
+            </a:r>
+            <a:r>
+              <a:rPr lang="zh-CN" altLang="en-US" dirty="0" smtClean="0"/>
+              <a:t>。</a:t>
+            </a:r>
+            <a:endParaRPr lang="en-US" altLang="zh-CN" dirty="0" smtClean="0"/>
+          </a:p>
+          <a:p>
+            <a:pPr marL="514350" indent="-514350">
+              <a:buFont typeface="+mj-lt"/>
+              <a:buAutoNum type="arabicPeriod"/>
+            </a:pPr>
+            <a:endParaRPr lang="en-US" dirty="0"/>
+          </a:p>
+          <a:p>
+            <a:pPr marL="0" indent="0">
+              <a:buNone/>
+            </a:pPr>
+            <a:r>
+              <a:rPr lang="zh-CN" altLang="en-US" sz="1800" dirty="0"/>
+              <a:t>右图</a:t>
+            </a:r>
+            <a:r>
+              <a:rPr lang="zh-CN" altLang="en-US" sz="1800" dirty="0" smtClean="0"/>
+              <a:t>形</a:t>
+            </a:r>
+            <a:r>
+              <a:rPr lang="zh-CN" altLang="en-US" sz="1800" dirty="0"/>
+              <a:t>象化展示</a:t>
+            </a:r>
+            <a:r>
+              <a:rPr lang="zh-CN" altLang="en-US" sz="1800" dirty="0"/>
+              <a:t>了人类是如何分配注意力资源的，很明显会把更多注意力投入到</a:t>
+            </a:r>
+            <a:r>
+              <a:rPr lang="zh-CN" altLang="en-US" sz="1800" dirty="0" smtClean="0"/>
+              <a:t>人的</a:t>
+            </a:r>
+            <a:r>
+              <a:rPr lang="zh-CN" altLang="en-US" sz="1800" dirty="0"/>
+              <a:t>脸部，文本的标题以及文章首句等位置。</a:t>
+            </a:r>
+          </a:p>
+          <a:p>
+            <a:pPr marL="0" indent="0">
+              <a:buNone/>
+            </a:pPr>
+            <a:endParaRPr lang="en-US" dirty="0"/>
+          </a:p>
+        </p:txBody>
+      </p:sp>
+      <p:pic>
+        <p:nvPicPr>
+          <p:cNvPr id="1026" name="Picture 2" descr="机器不学习：一文看懂Attention机制"/>
+          <p:cNvPicPr>
+            <a:picLocks noChangeAspect="1" noChangeArrowheads="1"/>
+          </p:cNvPicPr>
+          <p:nvPr/>
+        </p:nvPicPr>
+        <p:blipFill>
+          <a:blip r:embed="rId3">
+            <a:extLst>
+              <a:ext uri="{28A0092B-C50C-407E-A947-70E740481C1C}">
+                <a14:useLocalDpi xmlns:a14="http://schemas.microsoft.com/office/drawing/2010/main" val="0"/>
+              </a:ext>
+            </a:extLst>
+          </a:blip>
+          <a:srcRect/>
+          <a:stretch>
+            <a:fillRect/>
+          </a:stretch>
+        </p:blipFill>
+        <p:spPr bwMode="auto">
+          <a:xfrm>
+            <a:off x="6663690" y="1690688"/>
+            <a:ext cx="5238750" cy="3867150"/>
+          </a:xfrm>
+          <a:prstGeom prst="rect">
+            <a:avLst/>
+          </a:prstGeom>
+          <a:noFill/>
+          <a:extLst>
+            <a:ext uri="{909E8E84-426E-40DD-AFC4-6F175D3DCCD1}">
+              <a14:hiddenFill xmlns:a14="http://schemas.microsoft.com/office/drawing/2010/main">
+                <a:solidFill>
+                  <a:srgbClr val="FFFFFF"/>
+                </a:solidFill>
+              </a14:hiddenFill>
+            </a:ext>
+          </a:extLst>
+        </p:spPr>
+      </p:pic>
+    </p:spTree>
+    <p:extLst>
+      <p:ext uri="{BB962C8B-B14F-4D97-AF65-F5344CB8AC3E}">
+        <p14:creationId xmlns:p14="http://schemas.microsoft.com/office/powerpoint/2010/main" val="3441034978"/>
+      </p:ext>
+    </p:extLst>
+  </p:cSld>
+  <p:clrMapOvr>
+    <a:masterClrMapping/>
+  </p:clrMapOvr>
+  <p:timing>
+    <p:tnLst>
+      <p:par>
+        <p:cTn id="1" dur="indefinite" restart="never" nodeType="tmRoot"/>
+      </p:par>
+    </p:tnLst>
+  </p:timing>
+</p:sld>
+</file>
+
+<file path=ppt/slides/slide3.xml><?xml version="1.0" encoding="utf-8"?>
+<p:sld xmlns:a="http://schemas.openxmlformats.org/drawingml/2006/main" xmlns:r="http://schemas.openxmlformats.org/officeDocument/2006/relationships" xmlns:p="http://schemas.openxmlformats.org/presentationml/2006/main">
+  <p:cSld>
+    <p:spTree>
+      <p:nvGrpSpPr>
+        <p:cNvPr id="1" name=""/>
+        <p:cNvGrpSpPr/>
+        <p:nvPr/>
+      </p:nvGrpSpPr>
+      <p:grpSpPr>
+        <a:xfrm>
+          <a:off x="0" y="0"/>
+          <a:ext cx="0" cy="0"/>
+          <a:chOff x="0" y="0"/>
+          <a:chExt cx="0" cy="0"/>
+        </a:xfrm>
+      </p:grpSpPr>
+      <p:sp>
+        <p:nvSpPr>
+          <p:cNvPr id="2" name="Title 1"/>
+          <p:cNvSpPr>
+            <a:spLocks noGrp="1"/>
+          </p:cNvSpPr>
+          <p:nvPr>
+            <p:ph type="title"/>
+          </p:nvPr>
+        </p:nvSpPr>
+        <p:spPr/>
+        <p:txBody>
+          <a:bodyPr/>
+          <a:lstStyle/>
+          <a:p>
+            <a:r>
               <a:rPr lang="en-US" dirty="0" smtClean="0"/>
               <a:t>Seq2Seq</a:t>
             </a:r>
@@ -4544,10 +4871,17 @@
   <p:clrMapOvr>
     <a:masterClrMapping/>
   </p:clrMapOvr>
+  <p:timing>
+    <p:tnLst>
+      <p:par>
+        <p:cTn id="1" dur="indefinite" restart="never" nodeType="tmRoot"/>
+      </p:par>
+    </p:tnLst>
+  </p:timing>
 </p:sld>
 </file>
 
-<file path=ppt/slides/slide3.xml><?xml version="1.0" encoding="utf-8"?>
+<file path=ppt/slides/slide4.xml><?xml version="1.0" encoding="utf-8"?>
 <p:sld xmlns:a="http://schemas.openxmlformats.org/drawingml/2006/main" xmlns:r="http://schemas.openxmlformats.org/officeDocument/2006/relationships" xmlns:p="http://schemas.openxmlformats.org/presentationml/2006/main">
   <p:cSld>
     <p:spTree>
@@ -4905,7 +5239,7 @@
 </p:sld>
 </file>
 
-<file path=ppt/slides/slide4.xml><?xml version="1.0" encoding="utf-8"?>
+<file path=ppt/slides/slide5.xml><?xml version="1.0" encoding="utf-8"?>
 <p:sld xmlns:a="http://schemas.openxmlformats.org/drawingml/2006/main" xmlns:r="http://schemas.openxmlformats.org/officeDocument/2006/relationships" xmlns:p="http://schemas.openxmlformats.org/presentationml/2006/main">
   <p:cSld>
     <p:spTree>
@@ -5026,7 +5360,7 @@
 </p:sld>
 </file>
 
-<file path=ppt/slides/slide5.xml><?xml version="1.0" encoding="utf-8"?>
+<file path=ppt/slides/slide6.xml><?xml version="1.0" encoding="utf-8"?>
 <p:sld xmlns:a="http://schemas.openxmlformats.org/drawingml/2006/main" xmlns:r="http://schemas.openxmlformats.org/officeDocument/2006/relationships" xmlns:p="http://schemas.openxmlformats.org/presentationml/2006/main">
   <p:cSld>
     <p:spTree>
@@ -5261,7 +5595,7 @@
 </p:sld>
 </file>
 
-<file path=ppt/slides/slide6.xml><?xml version="1.0" encoding="utf-8"?>
+<file path=ppt/slides/slide7.xml><?xml version="1.0" encoding="utf-8"?>
 <p:sld xmlns:a="http://schemas.openxmlformats.org/drawingml/2006/main" xmlns:r="http://schemas.openxmlformats.org/officeDocument/2006/relationships" xmlns:p="http://schemas.openxmlformats.org/presentationml/2006/main">
   <p:cSld>
     <p:spTree>
@@ -5624,306 +5958,6 @@
 </p:sld>
 </file>
 
-<file path=ppt/slides/slide7.xml><?xml version="1.0" encoding="utf-8"?>
-<p:sld xmlns:a="http://schemas.openxmlformats.org/drawingml/2006/main" xmlns:r="http://schemas.openxmlformats.org/officeDocument/2006/relationships" xmlns:p="http://schemas.openxmlformats.org/presentationml/2006/main">
-  <p:cSld>
-    <p:spTree>
-      <p:nvGrpSpPr>
-        <p:cNvPr id="1" name=""/>
-        <p:cNvGrpSpPr/>
-        <p:nvPr/>
-      </p:nvGrpSpPr>
-      <p:grpSpPr>
-        <a:xfrm>
-          <a:off x="0" y="0"/>
-          <a:ext cx="0" cy="0"/>
-          <a:chOff x="0" y="0"/>
-          <a:chExt cx="0" cy="0"/>
-        </a:xfrm>
-      </p:grpSpPr>
-      <p:sp>
-        <p:nvSpPr>
-          <p:cNvPr id="2" name="Title 1"/>
-          <p:cNvSpPr>
-            <a:spLocks noGrp="1"/>
-          </p:cNvSpPr>
-          <p:nvPr>
-            <p:ph type="title"/>
-          </p:nvPr>
-        </p:nvSpPr>
-        <p:spPr/>
-        <p:txBody>
-          <a:bodyPr/>
-          <a:lstStyle/>
-          <a:p>
-            <a:r>
-              <a:rPr lang="en-US" altLang="zh-CN" dirty="0"/>
-              <a:t>BLEU </a:t>
-            </a:r>
-            <a:r>
-              <a:rPr lang="en-US" altLang="zh-CN" sz="3200" dirty="0"/>
-              <a:t>(Bilingual Evaluation </a:t>
-            </a:r>
-            <a:r>
-              <a:rPr lang="en-US" altLang="zh-CN" sz="3200" dirty="0" smtClean="0"/>
-              <a:t>Understudy - </a:t>
-            </a:r>
-            <a:r>
-              <a:rPr lang="zh-CN" altLang="en-US" sz="3200" dirty="0" smtClean="0"/>
-              <a:t>双</a:t>
-            </a:r>
-            <a:r>
-              <a:rPr lang="zh-CN" altLang="en-US" sz="3200" dirty="0"/>
-              <a:t>语评估考试</a:t>
-            </a:r>
-            <a:r>
-              <a:rPr lang="en-US" altLang="zh-CN" sz="3200" dirty="0" smtClean="0"/>
-              <a:t>)</a:t>
-            </a:r>
-            <a:endParaRPr lang="en-US" sz="3200" dirty="0"/>
-          </a:p>
-        </p:txBody>
-      </p:sp>
-      <p:sp>
-        <p:nvSpPr>
-          <p:cNvPr id="3" name="Content Placeholder 2"/>
-          <p:cNvSpPr>
-            <a:spLocks noGrp="1"/>
-          </p:cNvSpPr>
-          <p:nvPr>
-            <p:ph idx="1"/>
-          </p:nvPr>
-        </p:nvSpPr>
-        <p:spPr/>
-        <p:txBody>
-          <a:bodyPr>
-            <a:normAutofit fontScale="62500" lnSpcReduction="20000"/>
-          </a:bodyPr>
-          <a:lstStyle/>
-          <a:p>
-            <a:r>
-              <a:rPr lang="zh-CN" altLang="en-US" dirty="0" smtClean="0"/>
-              <a:t>一</a:t>
-            </a:r>
-            <a:r>
-              <a:rPr lang="zh-CN" altLang="en-US" dirty="0"/>
-              <a:t>个比较文本候选翻译与一个或多个参考翻译的分数</a:t>
-            </a:r>
-            <a:r>
-              <a:rPr lang="zh-CN" altLang="en-US" dirty="0" smtClean="0"/>
-              <a:t>。</a:t>
-            </a:r>
-            <a:endParaRPr lang="en-US" altLang="zh-CN" dirty="0" smtClean="0"/>
-          </a:p>
-          <a:p>
-            <a:pPr lvl="1"/>
-            <a:r>
-              <a:rPr lang="zh-CN" altLang="en-US" dirty="0"/>
-              <a:t>完美匹配得分为</a:t>
-            </a:r>
-            <a:r>
-              <a:rPr lang="en-US" altLang="zh-CN" sz="3500" b="1" dirty="0">
-                <a:solidFill>
-                  <a:schemeClr val="accent6">
-                    <a:lumMod val="50000"/>
-                  </a:schemeClr>
-                </a:solidFill>
-              </a:rPr>
-              <a:t>1.0</a:t>
-            </a:r>
-            <a:r>
-              <a:rPr lang="zh-CN" altLang="en-US" dirty="0"/>
-              <a:t>，而完美的不匹配则得分为</a:t>
-            </a:r>
-            <a:r>
-              <a:rPr lang="en-US" altLang="zh-CN" b="1" dirty="0">
-                <a:solidFill>
-                  <a:srgbClr val="FF0000"/>
-                </a:solidFill>
-              </a:rPr>
-              <a:t>0.0</a:t>
-            </a:r>
-            <a:r>
-              <a:rPr lang="zh-CN" altLang="en-US" dirty="0" smtClean="0"/>
-              <a:t>。</a:t>
-            </a:r>
-            <a:endParaRPr lang="en-US" altLang="zh-CN" dirty="0" smtClean="0"/>
-          </a:p>
-          <a:p>
-            <a:pPr lvl="1"/>
-            <a:r>
-              <a:rPr lang="zh-CN" altLang="en-US" dirty="0"/>
-              <a:t>好处：</a:t>
-            </a:r>
-            <a:endParaRPr lang="en-US" altLang="zh-CN" dirty="0"/>
-          </a:p>
-          <a:p>
-            <a:pPr lvl="2"/>
-            <a:r>
-              <a:rPr lang="zh-CN" altLang="en-US" dirty="0"/>
-              <a:t>计算速度快，成本低廉</a:t>
-            </a:r>
-          </a:p>
-          <a:p>
-            <a:pPr lvl="2"/>
-            <a:r>
-              <a:rPr lang="zh-CN" altLang="en-US" dirty="0"/>
-              <a:t>容易理解</a:t>
-            </a:r>
-          </a:p>
-          <a:p>
-            <a:pPr lvl="2"/>
-            <a:r>
-              <a:rPr lang="zh-CN" altLang="en-US" dirty="0"/>
-              <a:t>独立于语言</a:t>
-            </a:r>
-          </a:p>
-          <a:p>
-            <a:pPr lvl="2"/>
-            <a:r>
-              <a:rPr lang="zh-CN" altLang="en-US" dirty="0"/>
-              <a:t>它与人的评价高度相关</a:t>
-            </a:r>
-          </a:p>
-          <a:p>
-            <a:pPr lvl="2"/>
-            <a:r>
-              <a:rPr lang="zh-CN" altLang="en-US" dirty="0"/>
-              <a:t>它被广泛采用</a:t>
-            </a:r>
-            <a:endParaRPr lang="en-US" altLang="zh-CN" dirty="0"/>
-          </a:p>
-          <a:p>
-            <a:endParaRPr lang="en-US" altLang="zh-CN" dirty="0" smtClean="0"/>
-          </a:p>
-          <a:p>
-            <a:r>
-              <a:rPr lang="zh-CN" altLang="en-US" dirty="0" smtClean="0"/>
-              <a:t>尽</a:t>
-            </a:r>
-            <a:r>
-              <a:rPr lang="zh-CN" altLang="en-US" dirty="0"/>
-              <a:t>管为翻译开发，它可以用来评估为一套自然语言处理任务生成的文本</a:t>
-            </a:r>
-            <a:r>
-              <a:rPr lang="zh-CN" altLang="en-US" dirty="0" smtClean="0"/>
-              <a:t>。</a:t>
-            </a:r>
-            <a:endParaRPr lang="en-US" altLang="zh-CN" dirty="0" smtClean="0"/>
-          </a:p>
-          <a:p>
-            <a:pPr lvl="1"/>
-            <a:r>
-              <a:rPr lang="zh-CN" altLang="en-US" dirty="0"/>
-              <a:t>更</a:t>
-            </a:r>
-            <a:r>
-              <a:rPr lang="zh-CN" altLang="en-US" dirty="0" smtClean="0"/>
-              <a:t>多场景：</a:t>
-            </a:r>
-            <a:endParaRPr lang="en-US" altLang="zh-CN" dirty="0" smtClean="0"/>
-          </a:p>
-          <a:p>
-            <a:pPr lvl="2"/>
-            <a:r>
-              <a:rPr lang="zh-CN" altLang="en-US" dirty="0"/>
-              <a:t>语言生</a:t>
-            </a:r>
-            <a:r>
-              <a:rPr lang="zh-CN" altLang="en-US" dirty="0" smtClean="0"/>
-              <a:t>成</a:t>
-            </a:r>
-            <a:endParaRPr lang="zh-CN" altLang="en-US" dirty="0"/>
-          </a:p>
-          <a:p>
-            <a:pPr lvl="2"/>
-            <a:r>
-              <a:rPr lang="zh-CN" altLang="en-US" dirty="0"/>
-              <a:t>图像标题生</a:t>
-            </a:r>
-            <a:r>
-              <a:rPr lang="zh-CN" altLang="en-US" dirty="0" smtClean="0"/>
-              <a:t>成</a:t>
-            </a:r>
-            <a:endParaRPr lang="zh-CN" altLang="en-US" dirty="0"/>
-          </a:p>
-          <a:p>
-            <a:pPr lvl="2"/>
-            <a:r>
-              <a:rPr lang="zh-CN" altLang="en-US" dirty="0"/>
-              <a:t>文字摘</a:t>
-            </a:r>
-            <a:r>
-              <a:rPr lang="zh-CN" altLang="en-US" dirty="0" smtClean="0"/>
-              <a:t>要</a:t>
-            </a:r>
-            <a:endParaRPr lang="zh-CN" altLang="en-US" dirty="0"/>
-          </a:p>
-          <a:p>
-            <a:pPr lvl="2"/>
-            <a:r>
-              <a:rPr lang="zh-CN" altLang="en-US" dirty="0"/>
-              <a:t>语音识</a:t>
-            </a:r>
-            <a:r>
-              <a:rPr lang="zh-CN" altLang="en-US" dirty="0" smtClean="0"/>
-              <a:t>别</a:t>
-            </a:r>
-            <a:endParaRPr lang="en-US" altLang="zh-CN" dirty="0" smtClean="0"/>
-          </a:p>
-          <a:p>
-            <a:endParaRPr lang="en-US" altLang="zh-CN" dirty="0" smtClean="0"/>
-          </a:p>
-          <a:p>
-            <a:r>
-              <a:rPr lang="en-US" altLang="zh-CN" dirty="0" smtClean="0"/>
-              <a:t>NLTK</a:t>
-            </a:r>
-            <a:r>
-              <a:rPr lang="zh-CN" altLang="en-US" dirty="0" smtClean="0"/>
-              <a:t>库支持对候</a:t>
-            </a:r>
-            <a:r>
-              <a:rPr lang="zh-CN" altLang="en-US" dirty="0"/>
-              <a:t>选文</a:t>
-            </a:r>
-            <a:r>
-              <a:rPr lang="zh-CN" altLang="en-US" dirty="0" smtClean="0"/>
-              <a:t>本进行</a:t>
-            </a:r>
-            <a:r>
-              <a:rPr lang="en-US" altLang="zh-CN" dirty="0" smtClean="0"/>
-              <a:t>BLEU</a:t>
-            </a:r>
-            <a:r>
-              <a:rPr lang="zh-CN" altLang="en-US" dirty="0"/>
-              <a:t>评</a:t>
-            </a:r>
-            <a:r>
-              <a:rPr lang="zh-CN" altLang="en-US" dirty="0" smtClean="0"/>
-              <a:t>分 </a:t>
-            </a:r>
-            <a:r>
-              <a:rPr lang="en-US" altLang="zh-CN" dirty="0" smtClean="0"/>
-              <a:t>- DEMO</a:t>
-            </a:r>
-            <a:endParaRPr lang="en-US" dirty="0"/>
-          </a:p>
-        </p:txBody>
-      </p:sp>
-    </p:spTree>
-    <p:extLst>
-      <p:ext uri="{BB962C8B-B14F-4D97-AF65-F5344CB8AC3E}">
-        <p14:creationId xmlns:p14="http://schemas.microsoft.com/office/powerpoint/2010/main" val="294912813"/>
-      </p:ext>
-    </p:extLst>
-  </p:cSld>
-  <p:clrMapOvr>
-    <a:masterClrMapping/>
-  </p:clrMapOvr>
-</p:sld>
-</file>
-
 <file path=ppt/slides/slide8.xml><?xml version="1.0" encoding="utf-8"?>
 <p:sld xmlns:a="http://schemas.openxmlformats.org/drawingml/2006/main" xmlns:r="http://schemas.openxmlformats.org/officeDocument/2006/relationships" xmlns:p="http://schemas.openxmlformats.org/presentationml/2006/main">
   <p:cSld>
@@ -5957,6 +5991,306 @@
           <a:lstStyle/>
           <a:p>
             <a:r>
+              <a:rPr lang="en-US" altLang="zh-CN" dirty="0"/>
+              <a:t>BLEU </a:t>
+            </a:r>
+            <a:r>
+              <a:rPr lang="en-US" altLang="zh-CN" sz="3200" dirty="0"/>
+              <a:t>(Bilingual Evaluation </a:t>
+            </a:r>
+            <a:r>
+              <a:rPr lang="en-US" altLang="zh-CN" sz="3200" dirty="0" smtClean="0"/>
+              <a:t>Understudy - </a:t>
+            </a:r>
+            <a:r>
+              <a:rPr lang="zh-CN" altLang="en-US" sz="3200" dirty="0" smtClean="0"/>
+              <a:t>双</a:t>
+            </a:r>
+            <a:r>
+              <a:rPr lang="zh-CN" altLang="en-US" sz="3200" dirty="0"/>
+              <a:t>语评估考试</a:t>
+            </a:r>
+            <a:r>
+              <a:rPr lang="en-US" altLang="zh-CN" sz="3200" dirty="0" smtClean="0"/>
+              <a:t>)</a:t>
+            </a:r>
+            <a:endParaRPr lang="en-US" sz="3200" dirty="0"/>
+          </a:p>
+        </p:txBody>
+      </p:sp>
+      <p:sp>
+        <p:nvSpPr>
+          <p:cNvPr id="3" name="Content Placeholder 2"/>
+          <p:cNvSpPr>
+            <a:spLocks noGrp="1"/>
+          </p:cNvSpPr>
+          <p:nvPr>
+            <p:ph idx="1"/>
+          </p:nvPr>
+        </p:nvSpPr>
+        <p:spPr/>
+        <p:txBody>
+          <a:bodyPr>
+            <a:normAutofit fontScale="62500" lnSpcReduction="20000"/>
+          </a:bodyPr>
+          <a:lstStyle/>
+          <a:p>
+            <a:r>
+              <a:rPr lang="zh-CN" altLang="en-US" dirty="0" smtClean="0"/>
+              <a:t>一</a:t>
+            </a:r>
+            <a:r>
+              <a:rPr lang="zh-CN" altLang="en-US" dirty="0"/>
+              <a:t>个比较文本候选翻译与一个或多个参考翻译的分数</a:t>
+            </a:r>
+            <a:r>
+              <a:rPr lang="zh-CN" altLang="en-US" dirty="0" smtClean="0"/>
+              <a:t>。</a:t>
+            </a:r>
+            <a:endParaRPr lang="en-US" altLang="zh-CN" dirty="0" smtClean="0"/>
+          </a:p>
+          <a:p>
+            <a:pPr lvl="1"/>
+            <a:r>
+              <a:rPr lang="zh-CN" altLang="en-US" dirty="0"/>
+              <a:t>完美匹配得分为</a:t>
+            </a:r>
+            <a:r>
+              <a:rPr lang="en-US" altLang="zh-CN" sz="3500" b="1" dirty="0">
+                <a:solidFill>
+                  <a:schemeClr val="accent6">
+                    <a:lumMod val="50000"/>
+                  </a:schemeClr>
+                </a:solidFill>
+              </a:rPr>
+              <a:t>1.0</a:t>
+            </a:r>
+            <a:r>
+              <a:rPr lang="zh-CN" altLang="en-US" dirty="0"/>
+              <a:t>，而完美的不匹配则得分为</a:t>
+            </a:r>
+            <a:r>
+              <a:rPr lang="en-US" altLang="zh-CN" b="1" dirty="0">
+                <a:solidFill>
+                  <a:srgbClr val="FF0000"/>
+                </a:solidFill>
+              </a:rPr>
+              <a:t>0.0</a:t>
+            </a:r>
+            <a:r>
+              <a:rPr lang="zh-CN" altLang="en-US" dirty="0" smtClean="0"/>
+              <a:t>。</a:t>
+            </a:r>
+            <a:endParaRPr lang="en-US" altLang="zh-CN" dirty="0" smtClean="0"/>
+          </a:p>
+          <a:p>
+            <a:pPr lvl="1"/>
+            <a:r>
+              <a:rPr lang="zh-CN" altLang="en-US" dirty="0"/>
+              <a:t>好处：</a:t>
+            </a:r>
+            <a:endParaRPr lang="en-US" altLang="zh-CN" dirty="0"/>
+          </a:p>
+          <a:p>
+            <a:pPr lvl="2"/>
+            <a:r>
+              <a:rPr lang="zh-CN" altLang="en-US" dirty="0"/>
+              <a:t>计算速度快，成本低廉</a:t>
+            </a:r>
+          </a:p>
+          <a:p>
+            <a:pPr lvl="2"/>
+            <a:r>
+              <a:rPr lang="zh-CN" altLang="en-US" dirty="0"/>
+              <a:t>容易理解</a:t>
+            </a:r>
+          </a:p>
+          <a:p>
+            <a:pPr lvl="2"/>
+            <a:r>
+              <a:rPr lang="zh-CN" altLang="en-US" dirty="0"/>
+              <a:t>独立于语言</a:t>
+            </a:r>
+          </a:p>
+          <a:p>
+            <a:pPr lvl="2"/>
+            <a:r>
+              <a:rPr lang="zh-CN" altLang="en-US" dirty="0"/>
+              <a:t>它与人的评价高度相关</a:t>
+            </a:r>
+          </a:p>
+          <a:p>
+            <a:pPr lvl="2"/>
+            <a:r>
+              <a:rPr lang="zh-CN" altLang="en-US" dirty="0"/>
+              <a:t>它被广泛采用</a:t>
+            </a:r>
+            <a:endParaRPr lang="en-US" altLang="zh-CN" dirty="0"/>
+          </a:p>
+          <a:p>
+            <a:endParaRPr lang="en-US" altLang="zh-CN" dirty="0" smtClean="0"/>
+          </a:p>
+          <a:p>
+            <a:r>
+              <a:rPr lang="zh-CN" altLang="en-US" dirty="0" smtClean="0"/>
+              <a:t>尽</a:t>
+            </a:r>
+            <a:r>
+              <a:rPr lang="zh-CN" altLang="en-US" dirty="0"/>
+              <a:t>管为翻译开发，它可以用来评估为一套自然语言处理任务生成的文本</a:t>
+            </a:r>
+            <a:r>
+              <a:rPr lang="zh-CN" altLang="en-US" dirty="0" smtClean="0"/>
+              <a:t>。</a:t>
+            </a:r>
+            <a:endParaRPr lang="en-US" altLang="zh-CN" dirty="0" smtClean="0"/>
+          </a:p>
+          <a:p>
+            <a:pPr lvl="1"/>
+            <a:r>
+              <a:rPr lang="zh-CN" altLang="en-US" dirty="0"/>
+              <a:t>更</a:t>
+            </a:r>
+            <a:r>
+              <a:rPr lang="zh-CN" altLang="en-US" dirty="0" smtClean="0"/>
+              <a:t>多场景：</a:t>
+            </a:r>
+            <a:endParaRPr lang="en-US" altLang="zh-CN" dirty="0" smtClean="0"/>
+          </a:p>
+          <a:p>
+            <a:pPr lvl="2"/>
+            <a:r>
+              <a:rPr lang="zh-CN" altLang="en-US" dirty="0"/>
+              <a:t>语言生</a:t>
+            </a:r>
+            <a:r>
+              <a:rPr lang="zh-CN" altLang="en-US" dirty="0" smtClean="0"/>
+              <a:t>成</a:t>
+            </a:r>
+            <a:endParaRPr lang="zh-CN" altLang="en-US" dirty="0"/>
+          </a:p>
+          <a:p>
+            <a:pPr lvl="2"/>
+            <a:r>
+              <a:rPr lang="zh-CN" altLang="en-US" dirty="0"/>
+              <a:t>图像标题生</a:t>
+            </a:r>
+            <a:r>
+              <a:rPr lang="zh-CN" altLang="en-US" dirty="0" smtClean="0"/>
+              <a:t>成</a:t>
+            </a:r>
+            <a:endParaRPr lang="zh-CN" altLang="en-US" dirty="0"/>
+          </a:p>
+          <a:p>
+            <a:pPr lvl="2"/>
+            <a:r>
+              <a:rPr lang="zh-CN" altLang="en-US" dirty="0"/>
+              <a:t>文字摘</a:t>
+            </a:r>
+            <a:r>
+              <a:rPr lang="zh-CN" altLang="en-US" dirty="0" smtClean="0"/>
+              <a:t>要</a:t>
+            </a:r>
+            <a:endParaRPr lang="zh-CN" altLang="en-US" dirty="0"/>
+          </a:p>
+          <a:p>
+            <a:pPr lvl="2"/>
+            <a:r>
+              <a:rPr lang="zh-CN" altLang="en-US" dirty="0"/>
+              <a:t>语音识</a:t>
+            </a:r>
+            <a:r>
+              <a:rPr lang="zh-CN" altLang="en-US" dirty="0" smtClean="0"/>
+              <a:t>别</a:t>
+            </a:r>
+            <a:endParaRPr lang="en-US" altLang="zh-CN" dirty="0" smtClean="0"/>
+          </a:p>
+          <a:p>
+            <a:endParaRPr lang="en-US" altLang="zh-CN" dirty="0" smtClean="0"/>
+          </a:p>
+          <a:p>
+            <a:r>
+              <a:rPr lang="en-US" altLang="zh-CN" dirty="0" smtClean="0"/>
+              <a:t>NLTK</a:t>
+            </a:r>
+            <a:r>
+              <a:rPr lang="zh-CN" altLang="en-US" dirty="0" smtClean="0"/>
+              <a:t>库支持对候</a:t>
+            </a:r>
+            <a:r>
+              <a:rPr lang="zh-CN" altLang="en-US" dirty="0"/>
+              <a:t>选文</a:t>
+            </a:r>
+            <a:r>
+              <a:rPr lang="zh-CN" altLang="en-US" dirty="0" smtClean="0"/>
+              <a:t>本进行</a:t>
+            </a:r>
+            <a:r>
+              <a:rPr lang="en-US" altLang="zh-CN" dirty="0" smtClean="0"/>
+              <a:t>BLEU</a:t>
+            </a:r>
+            <a:r>
+              <a:rPr lang="zh-CN" altLang="en-US" dirty="0"/>
+              <a:t>评</a:t>
+            </a:r>
+            <a:r>
+              <a:rPr lang="zh-CN" altLang="en-US" dirty="0" smtClean="0"/>
+              <a:t>分 </a:t>
+            </a:r>
+            <a:r>
+              <a:rPr lang="en-US" altLang="zh-CN" dirty="0" smtClean="0"/>
+              <a:t>- DEMO</a:t>
+            </a:r>
+            <a:endParaRPr lang="en-US" dirty="0"/>
+          </a:p>
+        </p:txBody>
+      </p:sp>
+    </p:spTree>
+    <p:extLst>
+      <p:ext uri="{BB962C8B-B14F-4D97-AF65-F5344CB8AC3E}">
+        <p14:creationId xmlns:p14="http://schemas.microsoft.com/office/powerpoint/2010/main" val="294912813"/>
+      </p:ext>
+    </p:extLst>
+  </p:cSld>
+  <p:clrMapOvr>
+    <a:masterClrMapping/>
+  </p:clrMapOvr>
+</p:sld>
+</file>
+
+<file path=ppt/slides/slide9.xml><?xml version="1.0" encoding="utf-8"?>
+<p:sld xmlns:a="http://schemas.openxmlformats.org/drawingml/2006/main" xmlns:r="http://schemas.openxmlformats.org/officeDocument/2006/relationships" xmlns:p="http://schemas.openxmlformats.org/presentationml/2006/main">
+  <p:cSld>
+    <p:spTree>
+      <p:nvGrpSpPr>
+        <p:cNvPr id="1" name=""/>
+        <p:cNvGrpSpPr/>
+        <p:nvPr/>
+      </p:nvGrpSpPr>
+      <p:grpSpPr>
+        <a:xfrm>
+          <a:off x="0" y="0"/>
+          <a:ext cx="0" cy="0"/>
+          <a:chOff x="0" y="0"/>
+          <a:chExt cx="0" cy="0"/>
+        </a:xfrm>
+      </p:grpSpPr>
+      <p:sp>
+        <p:nvSpPr>
+          <p:cNvPr id="2" name="Title 1"/>
+          <p:cNvSpPr>
+            <a:spLocks noGrp="1"/>
+          </p:cNvSpPr>
+          <p:nvPr>
+            <p:ph type="title"/>
+          </p:nvPr>
+        </p:nvSpPr>
+        <p:spPr/>
+        <p:txBody>
+          <a:bodyPr/>
+          <a:lstStyle/>
+          <a:p>
+            <a:r>
               <a:rPr lang="en-US" dirty="0" smtClean="0"/>
               <a:t>Reference</a:t>
             </a:r>
@@ -6031,11 +6365,7 @@
             </a:r>
             <a:r>
               <a:rPr lang="en-US" dirty="0" smtClean="0"/>
-              <a:t> Pham, Christopher D. Manning. Effective Approaches to Attention-based Neural Machine Translation, 2015</a:t>
-            </a:r>
-            <a:r>
-              <a:rPr lang="en-US" dirty="0" smtClean="0"/>
-              <a:t>.</a:t>
+              <a:t> Pham, Christopher D. Manning. Effective Approaches to Attention-based Neural Machine Translation, 2015.</a:t>
             </a:r>
           </a:p>
           <a:p>
